--- a/documentation/Кушнарева презентация_калькулятор.pptx
+++ b/documentation/Кушнарева презентация_калькулятор.pptx
@@ -10,14 +10,14 @@
   <p:sldIdLst>
     <p:sldId id="258" r:id="rId2"/>
     <p:sldId id="285" r:id="rId3"/>
-    <p:sldId id="317" r:id="rId4"/>
-    <p:sldId id="319" r:id="rId5"/>
+    <p:sldId id="319" r:id="rId4"/>
+    <p:sldId id="317" r:id="rId5"/>
     <p:sldId id="318" r:id="rId6"/>
-    <p:sldId id="320" r:id="rId7"/>
-    <p:sldId id="324" r:id="rId8"/>
+    <p:sldId id="324" r:id="rId7"/>
+    <p:sldId id="320" r:id="rId8"/>
     <p:sldId id="321" r:id="rId9"/>
-    <p:sldId id="323" r:id="rId10"/>
-    <p:sldId id="322" r:id="rId11"/>
+    <p:sldId id="322" r:id="rId10"/>
+    <p:sldId id="323" r:id="rId11"/>
   </p:sldIdLst>
   <p:sldSz cx="12192000" cy="6858000"/>
   <p:notesSz cx="6858000" cy="9144000"/>
@@ -259,7 +259,7 @@
           <a:p>
             <a:fld id="{3AB3671F-AA64-4FFB-BBDA-457A3DCCAFB9}" type="datetimeFigureOut">
               <a:rPr lang="ru-RU" smtClean="0"/>
-              <a:t>28.02.2022</a:t>
+              <a:t>12.04.2022</a:t>
             </a:fld>
             <a:endParaRPr lang="ru-RU"/>
           </a:p>
@@ -730,7 +730,7 @@
     </p:spTree>
     <p:extLst>
       <p:ext uri="{BB962C8B-B14F-4D97-AF65-F5344CB8AC3E}">
-        <p14:creationId xmlns:p14="http://schemas.microsoft.com/office/powerpoint/2010/main" val="1563582460"/>
+        <p14:creationId xmlns:p14="http://schemas.microsoft.com/office/powerpoint/2010/main" val="1821774204"/>
       </p:ext>
     </p:extLst>
   </p:cSld>
@@ -906,7 +906,7 @@
     </p:spTree>
     <p:extLst>
       <p:ext uri="{BB962C8B-B14F-4D97-AF65-F5344CB8AC3E}">
-        <p14:creationId xmlns:p14="http://schemas.microsoft.com/office/powerpoint/2010/main" val="4147645679"/>
+        <p14:creationId xmlns:p14="http://schemas.microsoft.com/office/powerpoint/2010/main" val="3187202439"/>
       </p:ext>
     </p:extLst>
   </p:cSld>
@@ -994,7 +994,7 @@
     </p:spTree>
     <p:extLst>
       <p:ext uri="{BB962C8B-B14F-4D97-AF65-F5344CB8AC3E}">
-        <p14:creationId xmlns:p14="http://schemas.microsoft.com/office/powerpoint/2010/main" val="3187202439"/>
+        <p14:creationId xmlns:p14="http://schemas.microsoft.com/office/powerpoint/2010/main" val="4147645679"/>
       </p:ext>
     </p:extLst>
   </p:cSld>
@@ -1170,7 +1170,7 @@
     </p:spTree>
     <p:extLst>
       <p:ext uri="{BB962C8B-B14F-4D97-AF65-F5344CB8AC3E}">
-        <p14:creationId xmlns:p14="http://schemas.microsoft.com/office/powerpoint/2010/main" val="4042355400"/>
+        <p14:creationId xmlns:p14="http://schemas.microsoft.com/office/powerpoint/2010/main" val="1811489033"/>
       </p:ext>
     </p:extLst>
   </p:cSld>
@@ -1258,7 +1258,7 @@
     </p:spTree>
     <p:extLst>
       <p:ext uri="{BB962C8B-B14F-4D97-AF65-F5344CB8AC3E}">
-        <p14:creationId xmlns:p14="http://schemas.microsoft.com/office/powerpoint/2010/main" val="1811489033"/>
+        <p14:creationId xmlns:p14="http://schemas.microsoft.com/office/powerpoint/2010/main" val="4042355400"/>
       </p:ext>
     </p:extLst>
   </p:cSld>
@@ -1434,7 +1434,7 @@
     </p:spTree>
     <p:extLst>
       <p:ext uri="{BB962C8B-B14F-4D97-AF65-F5344CB8AC3E}">
-        <p14:creationId xmlns:p14="http://schemas.microsoft.com/office/powerpoint/2010/main" val="1821774204"/>
+        <p14:creationId xmlns:p14="http://schemas.microsoft.com/office/powerpoint/2010/main" val="1563582460"/>
       </p:ext>
     </p:extLst>
   </p:cSld>
@@ -1630,7 +1630,7 @@
             </a:pPr>
             <a:fld id="{E9A40412-952D-4355-AEE1-5084A13E6343}" type="datetime1">
               <a:rPr lang="ru-RU" smtClean="0"/>
-              <a:t>28.02.2022</a:t>
+              <a:t>12.04.2022</a:t>
             </a:fld>
             <a:endParaRPr lang="ru-RU"/>
           </a:p>
@@ -1822,7 +1822,7 @@
             </a:pPr>
             <a:fld id="{D1A57588-AA29-48C1-A0D3-23CDC8CEF95B}" type="datetime1">
               <a:rPr lang="ru-RU" smtClean="0"/>
-              <a:t>28.02.2022</a:t>
+              <a:t>12.04.2022</a:t>
             </a:fld>
             <a:endParaRPr lang="ru-RU"/>
           </a:p>
@@ -2024,7 +2024,7 @@
             </a:pPr>
             <a:fld id="{B5D72509-6833-4348-BB60-FAACCC152FFC}" type="datetime1">
               <a:rPr lang="ru-RU" smtClean="0"/>
-              <a:t>28.02.2022</a:t>
+              <a:t>12.04.2022</a:t>
             </a:fld>
             <a:endParaRPr lang="ru-RU"/>
           </a:p>
@@ -2216,7 +2216,7 @@
             </a:pPr>
             <a:fld id="{92480D4C-61BD-483D-86D6-B62CDAB9BEDA}" type="datetime1">
               <a:rPr lang="ru-RU" smtClean="0"/>
-              <a:t>28.02.2022</a:t>
+              <a:t>12.04.2022</a:t>
             </a:fld>
             <a:endParaRPr lang="ru-RU"/>
           </a:p>
@@ -2485,7 +2485,7 @@
             </a:pPr>
             <a:fld id="{A751F13C-6A68-445F-9F3B-D8B69AC9FD7E}" type="datetime1">
               <a:rPr lang="ru-RU" smtClean="0"/>
-              <a:t>28.02.2022</a:t>
+              <a:t>12.04.2022</a:t>
             </a:fld>
             <a:endParaRPr lang="ru-RU"/>
           </a:p>
@@ -2794,7 +2794,7 @@
             </a:pPr>
             <a:fld id="{A5532E65-0D75-47CF-9E50-79D7F59885FD}" type="datetime1">
               <a:rPr lang="ru-RU" smtClean="0"/>
-              <a:t>28.02.2022</a:t>
+              <a:t>12.04.2022</a:t>
             </a:fld>
             <a:endParaRPr lang="ru-RU"/>
           </a:p>
@@ -3237,7 +3237,7 @@
             </a:pPr>
             <a:fld id="{911777F0-F331-4210-A598-9C010F52D098}" type="datetime1">
               <a:rPr lang="ru-RU" smtClean="0"/>
-              <a:t>28.02.2022</a:t>
+              <a:t>12.04.2022</a:t>
             </a:fld>
             <a:endParaRPr lang="ru-RU"/>
           </a:p>
@@ -3378,7 +3378,7 @@
             </a:pPr>
             <a:fld id="{1AC8AF8F-D2D8-4C77-9AB7-FFD30F24FEFA}" type="datetime1">
               <a:rPr lang="ru-RU" smtClean="0"/>
-              <a:t>28.02.2022</a:t>
+              <a:t>12.04.2022</a:t>
             </a:fld>
             <a:endParaRPr lang="ru-RU"/>
           </a:p>
@@ -3497,7 +3497,7 @@
             </a:pPr>
             <a:fld id="{9B4BEA78-D3AB-43BC-BBE9-CA6B0150F642}" type="datetime1">
               <a:rPr lang="ru-RU" smtClean="0"/>
-              <a:t>28.02.2022</a:t>
+              <a:t>12.04.2022</a:t>
             </a:fld>
             <a:endParaRPr lang="ru-RU"/>
           </a:p>
@@ -3796,7 +3796,7 @@
             </a:pPr>
             <a:fld id="{8B6CA31B-DE7C-454D-A29A-F2F44B92C02C}" type="datetime1">
               <a:rPr lang="ru-RU" smtClean="0"/>
-              <a:t>28.02.2022</a:t>
+              <a:t>12.04.2022</a:t>
             </a:fld>
             <a:endParaRPr lang="ru-RU"/>
           </a:p>
@@ -4078,7 +4078,7 @@
             </a:pPr>
             <a:fld id="{AE3D309E-A734-454B-96EA-1FFF9C6D640B}" type="datetime1">
               <a:rPr lang="ru-RU" smtClean="0"/>
-              <a:t>28.02.2022</a:t>
+              <a:t>12.04.2022</a:t>
             </a:fld>
             <a:endParaRPr lang="ru-RU"/>
           </a:p>
@@ -4371,7 +4371,7 @@
             </a:pPr>
             <a:fld id="{F00A4505-FFFF-4242-BC45-A2F4E67EA977}" type="datetime1">
               <a:rPr lang="ru-RU" smtClean="0"/>
-              <a:t>28.02.2022</a:t>
+              <a:t>12.04.2022</a:t>
             </a:fld>
             <a:endParaRPr lang="ru-RU"/>
           </a:p>
@@ -5303,7 +5303,7 @@
           <p:cNvPr id="2" name="TextBox 1">
             <a:extLst>
               <a:ext uri="{FF2B5EF4-FFF2-40B4-BE49-F238E27FC236}">
-                <a16:creationId xmlns:a16="http://schemas.microsoft.com/office/drawing/2014/main" id="{EEE6D9F6-A85C-3A47-9DB8-E3C33FFAD9EB}"/>
+                <a16:creationId xmlns:a16="http://schemas.microsoft.com/office/drawing/2014/main" id="{78995021-96E3-FB47-9240-1C2C280AE980}"/>
               </a:ext>
             </a:extLst>
           </p:cNvPr>
@@ -5313,7 +5313,7 @@
         <p:spPr>
           <a:xfrm>
             <a:off x="1703512" y="404664"/>
-            <a:ext cx="6855210" cy="769441"/>
+            <a:ext cx="7859909" cy="769441"/>
           </a:xfrm>
           <a:prstGeom prst="rect">
             <a:avLst/>
@@ -5332,7 +5332,7 @@
                   <a:srgbClr val="001F4F"/>
                 </a:solidFill>
               </a:rPr>
-              <a:t>Перспективы развития </a:t>
+              <a:t>Демонстрация результатов</a:t>
             </a:r>
           </a:p>
         </p:txBody>
@@ -5342,7 +5342,7 @@
           <p:cNvPr id="3" name="TextBox 2">
             <a:extLst>
               <a:ext uri="{FF2B5EF4-FFF2-40B4-BE49-F238E27FC236}">
-                <a16:creationId xmlns:a16="http://schemas.microsoft.com/office/drawing/2014/main" id="{9BD5324A-91F4-884C-861A-EC2538E5BB7F}"/>
+                <a16:creationId xmlns:a16="http://schemas.microsoft.com/office/drawing/2014/main" id="{393B9363-118C-154D-B11D-8EC1DD764CE4}"/>
               </a:ext>
             </a:extLst>
           </p:cNvPr>
@@ -5351,8 +5351,8 @@
         </p:nvSpPr>
         <p:spPr>
           <a:xfrm>
-            <a:off x="384116" y="1988840"/>
-            <a:ext cx="11400516" cy="3347840"/>
+            <a:off x="551384" y="1644537"/>
+            <a:ext cx="10027617" cy="2308324"/>
           </a:xfrm>
           <a:prstGeom prst="rect">
             <a:avLst/>
@@ -5360,79 +5360,197 @@
           <a:noFill/>
         </p:spPr>
         <p:txBody>
-          <a:bodyPr wrap="square" rtlCol="0">
+          <a:bodyPr wrap="none" rtlCol="0">
             <a:spAutoFit/>
           </a:bodyPr>
           <a:lstStyle/>
           <a:p>
-            <a:pPr marL="457200" indent="-457200" algn="just">
-              <a:lnSpc>
-                <a:spcPct val="150000"/>
-              </a:lnSpc>
-              <a:buFont typeface="Arial" panose="020B0604020202020204" pitchFamily="34" charset="0"/>
-              <a:buChar char="•"/>
-            </a:pPr>
             <a:r>
               <a:rPr lang="ru-RU" sz="2400" dirty="0"/>
-              <a:t>В будущем данную программу можно будет дополнять другими мало известными формулами</a:t>
-            </a:r>
-            <a:r>
-              <a:rPr lang="en-US" sz="2400" dirty="0"/>
-              <a:t>,</a:t>
-            </a:r>
-            <a:r>
-              <a:rPr lang="ru-RU" sz="2400" dirty="0"/>
-              <a:t> которые могут пригодиться уже не только 8 классу</a:t>
-            </a:r>
-            <a:r>
-              <a:rPr lang="en-US" sz="2400" dirty="0"/>
-              <a:t>, </a:t>
-            </a:r>
-            <a:r>
-              <a:rPr lang="ru-RU" sz="2400" dirty="0"/>
-              <a:t>но так же и старшеклассникам</a:t>
-            </a:r>
-            <a:r>
-              <a:rPr lang="en-US" sz="2400" dirty="0"/>
-              <a:t>.</a:t>
-            </a:r>
+              <a:t>Демонстрацию готовой программы можно найти по данный ссылкам</a:t>
+            </a:r>
+          </a:p>
+          <a:p>
             <a:endParaRPr lang="ru-RU" sz="2400" dirty="0"/>
           </a:p>
           <a:p>
-            <a:pPr algn="just">
-              <a:lnSpc>
-                <a:spcPct val="150000"/>
-              </a:lnSpc>
-            </a:pPr>
+            <a:r>
+              <a:rPr lang="en" sz="2400" dirty="0">
+                <a:hlinkClick r:id="rId4"/>
+              </a:rPr>
+              <a:t>https://youtu.be/v56c3S8508c</a:t>
+            </a:r>
+            <a:endParaRPr lang="en" sz="2400" dirty="0"/>
+          </a:p>
+          <a:p>
             <a:endParaRPr lang="en-US" sz="2400" dirty="0"/>
           </a:p>
           <a:p>
-            <a:pPr marL="457200" indent="-457200" algn="just">
-              <a:lnSpc>
-                <a:spcPct val="150000"/>
-              </a:lnSpc>
-              <a:buFont typeface="Arial" panose="020B0604020202020204" pitchFamily="34" charset="0"/>
-              <a:buChar char="•"/>
-            </a:pPr>
-            <a:r>
-              <a:rPr lang="ru-RU" sz="2400" dirty="0"/>
-              <a:t>Усовершенствовать генератор задач</a:t>
-            </a:r>
-            <a:r>
-              <a:rPr lang="en-US" sz="2400" dirty="0"/>
-              <a:t>, </a:t>
-            </a:r>
-            <a:r>
-              <a:rPr lang="ru-RU" sz="2400" dirty="0"/>
-              <a:t>для того чтобы он мог генерировать задачи с большим количеством изменяемых переменных</a:t>
-            </a:r>
+            <a:r>
+              <a:rPr lang="en" sz="2400" dirty="0">
+                <a:hlinkClick r:id="rId5"/>
+              </a:rPr>
+              <a:t>https://github.com/kuushma/calculat</a:t>
+            </a:r>
+            <a:endParaRPr lang="ru-RU" sz="2400" dirty="0"/>
+          </a:p>
+          <a:p>
+            <a:endParaRPr lang="ru-RU" sz="2400" dirty="0"/>
+          </a:p>
+        </p:txBody>
+      </p:sp>
+      <p:pic>
+        <p:nvPicPr>
+          <p:cNvPr id="5" name="Рисунок 4">
+            <a:extLst>
+              <a:ext uri="{FF2B5EF4-FFF2-40B4-BE49-F238E27FC236}">
+                <a16:creationId xmlns:a16="http://schemas.microsoft.com/office/drawing/2014/main" id="{59CF20E0-6868-5F44-A994-D17E4F877BBA}"/>
+              </a:ext>
+            </a:extLst>
+          </p:cNvPr>
+          <p:cNvPicPr>
+            <a:picLocks noChangeAspect="1"/>
+          </p:cNvPicPr>
+          <p:nvPr/>
+        </p:nvPicPr>
+        <p:blipFill>
+          <a:blip r:embed="rId6">
+            <a:extLst>
+              <a:ext uri="{28A0092B-C50C-407E-A947-70E740481C1C}">
+                <a14:useLocalDpi xmlns:a14="http://schemas.microsoft.com/office/drawing/2010/main" val="0"/>
+              </a:ext>
+            </a:extLst>
+          </a:blip>
+          <a:stretch>
+            <a:fillRect/>
+          </a:stretch>
+        </p:blipFill>
+        <p:spPr>
+          <a:xfrm>
+            <a:off x="9257011" y="2393939"/>
+            <a:ext cx="2475221" cy="2475221"/>
+          </a:xfrm>
+          <a:prstGeom prst="rect">
+            <a:avLst/>
+          </a:prstGeom>
+        </p:spPr>
+      </p:pic>
+      <p:pic>
+        <p:nvPicPr>
+          <p:cNvPr id="7" name="Рисунок 6">
+            <a:extLst>
+              <a:ext uri="{FF2B5EF4-FFF2-40B4-BE49-F238E27FC236}">
+                <a16:creationId xmlns:a16="http://schemas.microsoft.com/office/drawing/2014/main" id="{5EC2E3B6-2C0A-6F4E-AC3E-456A1C2C709C}"/>
+              </a:ext>
+            </a:extLst>
+          </p:cNvPr>
+          <p:cNvPicPr>
+            <a:picLocks noChangeAspect="1"/>
+          </p:cNvPicPr>
+          <p:nvPr/>
+        </p:nvPicPr>
+        <p:blipFill>
+          <a:blip r:embed="rId7">
+            <a:extLst>
+              <a:ext uri="{28A0092B-C50C-407E-A947-70E740481C1C}">
+                <a14:useLocalDpi xmlns:a14="http://schemas.microsoft.com/office/drawing/2010/main" val="0"/>
+              </a:ext>
+            </a:extLst>
+          </a:blip>
+          <a:stretch>
+            <a:fillRect/>
+          </a:stretch>
+        </p:blipFill>
+        <p:spPr>
+          <a:xfrm>
+            <a:off x="6180844" y="2390441"/>
+            <a:ext cx="2475222" cy="2475222"/>
+          </a:xfrm>
+          <a:prstGeom prst="rect">
+            <a:avLst/>
+          </a:prstGeom>
+        </p:spPr>
+      </p:pic>
+      <p:sp>
+        <p:nvSpPr>
+          <p:cNvPr id="8" name="TextBox 7">
+            <a:extLst>
+              <a:ext uri="{FF2B5EF4-FFF2-40B4-BE49-F238E27FC236}">
+                <a16:creationId xmlns:a16="http://schemas.microsoft.com/office/drawing/2014/main" id="{D4EC6DFF-A6DD-3749-B131-C3ED41698BF1}"/>
+              </a:ext>
+            </a:extLst>
+          </p:cNvPr>
+          <p:cNvSpPr txBox="1"/>
+          <p:nvPr/>
+        </p:nvSpPr>
+        <p:spPr>
+          <a:xfrm>
+            <a:off x="6813962" y="5378583"/>
+            <a:ext cx="1292341" cy="461665"/>
+          </a:xfrm>
+          <a:prstGeom prst="rect">
+            <a:avLst/>
+          </a:prstGeom>
+          <a:noFill/>
+        </p:spPr>
+        <p:txBody>
+          <a:bodyPr wrap="none" rtlCol="0">
+            <a:spAutoFit/>
+          </a:bodyPr>
+          <a:lstStyle/>
+          <a:p>
+            <a:r>
+              <a:rPr lang="en-US" sz="2400" b="1" dirty="0">
+                <a:latin typeface="American Typewriter" panose="02090604020004020304" pitchFamily="18" charset="0"/>
+              </a:rPr>
+              <a:t>GitHub</a:t>
+            </a:r>
+            <a:endParaRPr lang="ru-RU" sz="2400" b="1" dirty="0"/>
+          </a:p>
+        </p:txBody>
+      </p:sp>
+      <p:sp>
+        <p:nvSpPr>
+          <p:cNvPr id="9" name="TextBox 8">
+            <a:extLst>
+              <a:ext uri="{FF2B5EF4-FFF2-40B4-BE49-F238E27FC236}">
+                <a16:creationId xmlns:a16="http://schemas.microsoft.com/office/drawing/2014/main" id="{693A8A3A-1DE1-5543-BB22-B76FF7412515}"/>
+              </a:ext>
+            </a:extLst>
+          </p:cNvPr>
+          <p:cNvSpPr txBox="1"/>
+          <p:nvPr/>
+        </p:nvSpPr>
+        <p:spPr>
+          <a:xfrm>
+            <a:off x="9728770" y="5380733"/>
+            <a:ext cx="1531701" cy="461665"/>
+          </a:xfrm>
+          <a:prstGeom prst="rect">
+            <a:avLst/>
+          </a:prstGeom>
+          <a:noFill/>
+        </p:spPr>
+        <p:txBody>
+          <a:bodyPr wrap="none" rtlCol="0">
+            <a:spAutoFit/>
+          </a:bodyPr>
+          <a:lstStyle/>
+          <a:p>
+            <a:r>
+              <a:rPr lang="en-US" sz="2400" b="1" dirty="0">
+                <a:latin typeface="American Typewriter" panose="02090604020004020304" pitchFamily="18" charset="0"/>
+              </a:rPr>
+              <a:t>YouTube</a:t>
+            </a:r>
+            <a:endParaRPr lang="ru-RU" sz="2400" b="1" dirty="0"/>
           </a:p>
         </p:txBody>
       </p:sp>
     </p:spTree>
     <p:extLst>
       <p:ext uri="{BB962C8B-B14F-4D97-AF65-F5344CB8AC3E}">
-        <p14:creationId xmlns:p14="http://schemas.microsoft.com/office/powerpoint/2010/main" val="2739388265"/>
+        <p14:creationId xmlns:p14="http://schemas.microsoft.com/office/powerpoint/2010/main" val="2345751366"/>
       </p:ext>
     </p:extLst>
   </p:cSld>
@@ -5683,7 +5801,7 @@
           <p:cNvPr id="2" name="TextBox 1">
             <a:extLst>
               <a:ext uri="{FF2B5EF4-FFF2-40B4-BE49-F238E27FC236}">
-                <a16:creationId xmlns:a16="http://schemas.microsoft.com/office/drawing/2014/main" id="{CAC6945F-B695-074E-8CAD-BAC5C991EC1D}"/>
+                <a16:creationId xmlns:a16="http://schemas.microsoft.com/office/drawing/2014/main" id="{AA9FD463-8340-0A49-BCF4-2C78D022AB8A}"/>
               </a:ext>
             </a:extLst>
           </p:cNvPr>
@@ -5692,8 +5810,8 @@
         </p:nvSpPr>
         <p:spPr>
           <a:xfrm>
-            <a:off x="1847528" y="404664"/>
-            <a:ext cx="3562770" cy="769441"/>
+            <a:off x="1775520" y="404664"/>
+            <a:ext cx="2647263" cy="769441"/>
           </a:xfrm>
           <a:prstGeom prst="rect">
             <a:avLst/>
@@ -5712,17 +5830,17 @@
                   <a:srgbClr val="001F4F"/>
                 </a:solidFill>
               </a:rPr>
-              <a:t>Конкуренты</a:t>
-            </a:r>
-          </a:p>
-        </p:txBody>
-      </p:sp>
-      <p:sp>
-        <p:nvSpPr>
-          <p:cNvPr id="4" name="TextBox 3">
+              <a:t>Решение</a:t>
+            </a:r>
+          </a:p>
+        </p:txBody>
+      </p:sp>
+      <p:sp>
+        <p:nvSpPr>
+          <p:cNvPr id="3" name="TextBox 2">
             <a:extLst>
               <a:ext uri="{FF2B5EF4-FFF2-40B4-BE49-F238E27FC236}">
-                <a16:creationId xmlns:a16="http://schemas.microsoft.com/office/drawing/2014/main" id="{E2867D6A-2651-A843-9E35-7FE54BDAB2FE}"/>
+                <a16:creationId xmlns:a16="http://schemas.microsoft.com/office/drawing/2014/main" id="{7ACD4366-E52D-EA4D-BE78-5261022C4285}"/>
               </a:ext>
             </a:extLst>
           </p:cNvPr>
@@ -5731,8 +5849,8 @@
         </p:nvSpPr>
         <p:spPr>
           <a:xfrm>
-            <a:off x="398290" y="1772816"/>
-            <a:ext cx="8234947" cy="3046988"/>
+            <a:off x="407368" y="1605755"/>
+            <a:ext cx="5688632" cy="4893647"/>
           </a:xfrm>
           <a:prstGeom prst="rect">
             <a:avLst/>
@@ -5740,83 +5858,62 @@
           <a:noFill/>
         </p:spPr>
         <p:txBody>
-          <a:bodyPr wrap="none" rtlCol="0">
+          <a:bodyPr wrap="square" rtlCol="0">
             <a:spAutoFit/>
           </a:bodyPr>
           <a:lstStyle/>
           <a:p>
-            <a:r>
-              <a:rPr lang="ru-RU" sz="2400" dirty="0"/>
-              <a:t>Плюсы данной программы в сравнение с конкурентами</a:t>
-            </a:r>
-            <a:r>
-              <a:rPr lang="en-US" sz="2400" dirty="0"/>
-              <a:t>:</a:t>
-            </a:r>
-            <a:endParaRPr lang="ru-RU" sz="2400" dirty="0"/>
-          </a:p>
-          <a:p>
-            <a:endParaRPr lang="en-US" sz="2400" dirty="0"/>
-          </a:p>
-          <a:p>
-            <a:pPr marL="285750" indent="-285750">
-              <a:buFont typeface="Arial" panose="020B0604020202020204" pitchFamily="34" charset="0"/>
-              <a:buChar char="•"/>
+            <a:pPr>
+              <a:lnSpc>
+                <a:spcPct val="150000"/>
+              </a:lnSpc>
             </a:pPr>
             <a:r>
-              <a:rPr lang="ru-RU" sz="2400" dirty="0"/>
-              <a:t>Удобный интерфейс</a:t>
-            </a:r>
-          </a:p>
-          <a:p>
-            <a:pPr marL="285750" indent="-285750">
-              <a:buFont typeface="Arial" panose="020B0604020202020204" pitchFamily="34" charset="0"/>
-              <a:buChar char="•"/>
+              <a:rPr lang="ru-RU" sz="2800" dirty="0"/>
+              <a:t>Автоматизировать генерацию однотипных задач</a:t>
+            </a:r>
+          </a:p>
+          <a:p>
+            <a:pPr>
+              <a:lnSpc>
+                <a:spcPct val="150000"/>
+              </a:lnSpc>
             </a:pPr>
-            <a:endParaRPr lang="ru-RU" sz="2400" dirty="0"/>
-          </a:p>
-          <a:p>
-            <a:pPr marL="285750" indent="-285750">
-              <a:buFont typeface="Arial" panose="020B0604020202020204" pitchFamily="34" charset="0"/>
-              <a:buChar char="•"/>
+            <a:endParaRPr lang="ru-RU" sz="2800" dirty="0"/>
+          </a:p>
+          <a:p>
+            <a:pPr>
+              <a:lnSpc>
+                <a:spcPct val="150000"/>
+              </a:lnSpc>
             </a:pPr>
             <a:r>
-              <a:rPr lang="ru-RU" sz="2400" dirty="0"/>
-              <a:t>Необходимые формулы</a:t>
-            </a:r>
-          </a:p>
-          <a:p>
-            <a:pPr marL="285750" indent="-285750">
-              <a:buFont typeface="Arial" panose="020B0604020202020204" pitchFamily="34" charset="0"/>
-              <a:buChar char="•"/>
+              <a:rPr lang="ru-RU" sz="2800" dirty="0"/>
+              <a:t>Упростить проверку задач на нахождение площади геометрических </a:t>
+            </a:r>
+          </a:p>
+          <a:p>
+            <a:pPr>
+              <a:lnSpc>
+                <a:spcPct val="150000"/>
+              </a:lnSpc>
             </a:pPr>
-            <a:endParaRPr lang="ru-RU" sz="2400" dirty="0"/>
-          </a:p>
-          <a:p>
-            <a:pPr marL="285750" indent="-285750">
-              <a:buFont typeface="Arial" panose="020B0604020202020204" pitchFamily="34" charset="0"/>
-              <a:buChar char="•"/>
-            </a:pPr>
-            <a:r>
-              <a:rPr lang="ru-RU" sz="2400" dirty="0"/>
-              <a:t>Доступность программы</a:t>
-            </a:r>
-          </a:p>
-          <a:p>
-            <a:pPr marL="285750" indent="-285750">
-              <a:buFont typeface="Arial" panose="020B0604020202020204" pitchFamily="34" charset="0"/>
-              <a:buChar char="•"/>
-            </a:pPr>
-            <a:endParaRPr lang="ru-RU" sz="2400" dirty="0"/>
+            <a:r>
+              <a:rPr lang="ru-RU" sz="2800" dirty="0"/>
+              <a:t>фигур</a:t>
+            </a:r>
+          </a:p>
+          <a:p>
+            <a:endParaRPr lang="ru-RU" dirty="0"/>
           </a:p>
         </p:txBody>
       </p:sp>
       <p:pic>
         <p:nvPicPr>
-          <p:cNvPr id="5" name="Объект 5">
+          <p:cNvPr id="6" name="Рисунок 5">
             <a:extLst>
               <a:ext uri="{FF2B5EF4-FFF2-40B4-BE49-F238E27FC236}">
-                <a16:creationId xmlns:a16="http://schemas.microsoft.com/office/drawing/2014/main" id="{7F043032-C1F3-324C-87E6-D4D511DD43BC}"/>
+                <a16:creationId xmlns:a16="http://schemas.microsoft.com/office/drawing/2014/main" id="{77743152-D9FB-6B4F-98D9-C9D5AFFB944E}"/>
               </a:ext>
             </a:extLst>
           </p:cNvPr>
@@ -5826,48 +5923,31 @@
           <p:nvPr/>
         </p:nvPicPr>
         <p:blipFill>
-          <a:blip r:embed="rId4"/>
+          <a:blip r:embed="rId4">
+            <a:extLst>
+              <a:ext uri="{28A0092B-C50C-407E-A947-70E740481C1C}">
+                <a14:useLocalDpi xmlns:a14="http://schemas.microsoft.com/office/drawing/2010/main" val="0"/>
+              </a:ext>
+            </a:extLst>
+          </a:blip>
           <a:stretch>
             <a:fillRect/>
           </a:stretch>
         </p:blipFill>
-        <p:spPr bwMode="auto">
+        <p:spPr>
           <a:xfrm>
-            <a:off x="5554281" y="2367392"/>
-            <a:ext cx="6157913" cy="3944198"/>
+            <a:off x="6095999" y="1742068"/>
+            <a:ext cx="5688633" cy="4621019"/>
           </a:xfrm>
           <a:prstGeom prst="rect">
             <a:avLst/>
           </a:prstGeom>
-          <a:noFill/>
-          <a:ln>
-            <a:noFill/>
-          </a:ln>
-          <a:extLst>
-            <a:ext uri="{909E8E84-426E-40DD-AFC4-6F175D3DCCD1}">
-              <a14:hiddenFill xmlns:a14="http://schemas.microsoft.com/office/drawing/2010/main">
-                <a:solidFill>
-                  <a:srgbClr val="FFFFFF"/>
-                </a:solidFill>
-              </a14:hiddenFill>
-            </a:ext>
-            <a:ext uri="{91240B29-F687-4F45-9708-019B960494DF}">
-              <a14:hiddenLine xmlns:a14="http://schemas.microsoft.com/office/drawing/2010/main" w="9525">
-                <a:solidFill>
-                  <a:srgbClr val="000000"/>
-                </a:solidFill>
-                <a:miter lim="800000"/>
-                <a:headEnd/>
-                <a:tailEnd/>
-              </a14:hiddenLine>
-            </a:ext>
-          </a:extLst>
         </p:spPr>
       </p:pic>
     </p:spTree>
     <p:extLst>
       <p:ext uri="{BB962C8B-B14F-4D97-AF65-F5344CB8AC3E}">
-        <p14:creationId xmlns:p14="http://schemas.microsoft.com/office/powerpoint/2010/main" val="2214604749"/>
+        <p14:creationId xmlns:p14="http://schemas.microsoft.com/office/powerpoint/2010/main" val="2197604658"/>
       </p:ext>
     </p:extLst>
   </p:cSld>
@@ -5913,7 +5993,7 @@
           <p:cNvPr id="2" name="TextBox 1">
             <a:extLst>
               <a:ext uri="{FF2B5EF4-FFF2-40B4-BE49-F238E27FC236}">
-                <a16:creationId xmlns:a16="http://schemas.microsoft.com/office/drawing/2014/main" id="{AA9FD463-8340-0A49-BCF4-2C78D022AB8A}"/>
+                <a16:creationId xmlns:a16="http://schemas.microsoft.com/office/drawing/2014/main" id="{CAC6945F-B695-074E-8CAD-BAC5C991EC1D}"/>
               </a:ext>
             </a:extLst>
           </p:cNvPr>
@@ -5922,8 +6002,8 @@
         </p:nvSpPr>
         <p:spPr>
           <a:xfrm>
-            <a:off x="1775520" y="404664"/>
-            <a:ext cx="2647263" cy="769441"/>
+            <a:off x="1847528" y="404664"/>
+            <a:ext cx="3562770" cy="769441"/>
           </a:xfrm>
           <a:prstGeom prst="rect">
             <a:avLst/>
@@ -5942,17 +6022,17 @@
                   <a:srgbClr val="001F4F"/>
                 </a:solidFill>
               </a:rPr>
-              <a:t>Решение</a:t>
-            </a:r>
-          </a:p>
-        </p:txBody>
-      </p:sp>
-      <p:sp>
-        <p:nvSpPr>
-          <p:cNvPr id="3" name="TextBox 2">
+              <a:t>Конкуренты</a:t>
+            </a:r>
+          </a:p>
+        </p:txBody>
+      </p:sp>
+      <p:sp>
+        <p:nvSpPr>
+          <p:cNvPr id="4" name="TextBox 3">
             <a:extLst>
               <a:ext uri="{FF2B5EF4-FFF2-40B4-BE49-F238E27FC236}">
-                <a16:creationId xmlns:a16="http://schemas.microsoft.com/office/drawing/2014/main" id="{7ACD4366-E52D-EA4D-BE78-5261022C4285}"/>
+                <a16:creationId xmlns:a16="http://schemas.microsoft.com/office/drawing/2014/main" id="{E2867D6A-2651-A843-9E35-7FE54BDAB2FE}"/>
               </a:ext>
             </a:extLst>
           </p:cNvPr>
@@ -5961,8 +6041,8 @@
         </p:nvSpPr>
         <p:spPr>
           <a:xfrm>
-            <a:off x="407368" y="1605755"/>
-            <a:ext cx="5688632" cy="4893647"/>
+            <a:off x="398290" y="1772816"/>
+            <a:ext cx="8234947" cy="3046988"/>
           </a:xfrm>
           <a:prstGeom prst="rect">
             <a:avLst/>
@@ -5970,62 +6050,83 @@
           <a:noFill/>
         </p:spPr>
         <p:txBody>
-          <a:bodyPr wrap="square" rtlCol="0">
+          <a:bodyPr wrap="none" rtlCol="0">
             <a:spAutoFit/>
           </a:bodyPr>
           <a:lstStyle/>
           <a:p>
-            <a:pPr>
-              <a:lnSpc>
-                <a:spcPct val="150000"/>
-              </a:lnSpc>
+            <a:r>
+              <a:rPr lang="ru-RU" sz="2400" dirty="0"/>
+              <a:t>Плюсы данной программы в сравнение с конкурентами</a:t>
+            </a:r>
+            <a:r>
+              <a:rPr lang="en-US" sz="2400" dirty="0"/>
+              <a:t>:</a:t>
+            </a:r>
+            <a:endParaRPr lang="ru-RU" sz="2400" dirty="0"/>
+          </a:p>
+          <a:p>
+            <a:endParaRPr lang="en-US" sz="2400" dirty="0"/>
+          </a:p>
+          <a:p>
+            <a:pPr marL="285750" indent="-285750">
+              <a:buFont typeface="Arial" panose="020B0604020202020204" pitchFamily="34" charset="0"/>
+              <a:buChar char="•"/>
             </a:pPr>
             <a:r>
-              <a:rPr lang="ru-RU" sz="2800" dirty="0"/>
-              <a:t>Автоматизировать генерацию однотипных задач</a:t>
-            </a:r>
-          </a:p>
-          <a:p>
-            <a:pPr>
-              <a:lnSpc>
-                <a:spcPct val="150000"/>
-              </a:lnSpc>
+              <a:rPr lang="ru-RU" sz="2400" dirty="0"/>
+              <a:t>Удобный интерфейс</a:t>
+            </a:r>
+          </a:p>
+          <a:p>
+            <a:pPr marL="285750" indent="-285750">
+              <a:buFont typeface="Arial" panose="020B0604020202020204" pitchFamily="34" charset="0"/>
+              <a:buChar char="•"/>
             </a:pPr>
-            <a:endParaRPr lang="ru-RU" sz="2800" dirty="0"/>
-          </a:p>
-          <a:p>
-            <a:pPr>
-              <a:lnSpc>
-                <a:spcPct val="150000"/>
-              </a:lnSpc>
+            <a:endParaRPr lang="ru-RU" sz="2400" dirty="0"/>
+          </a:p>
+          <a:p>
+            <a:pPr marL="285750" indent="-285750">
+              <a:buFont typeface="Arial" panose="020B0604020202020204" pitchFamily="34" charset="0"/>
+              <a:buChar char="•"/>
             </a:pPr>
             <a:r>
-              <a:rPr lang="ru-RU" sz="2800" dirty="0"/>
-              <a:t>Упростить проверку задач на нахождение площади геометрических </a:t>
-            </a:r>
-          </a:p>
-          <a:p>
-            <a:pPr>
-              <a:lnSpc>
-                <a:spcPct val="150000"/>
-              </a:lnSpc>
+              <a:rPr lang="ru-RU" sz="2400" dirty="0"/>
+              <a:t>Необходимые формулы</a:t>
+            </a:r>
+          </a:p>
+          <a:p>
+            <a:pPr marL="285750" indent="-285750">
+              <a:buFont typeface="Arial" panose="020B0604020202020204" pitchFamily="34" charset="0"/>
+              <a:buChar char="•"/>
             </a:pPr>
-            <a:r>
-              <a:rPr lang="ru-RU" sz="2800" dirty="0"/>
-              <a:t>фигур</a:t>
-            </a:r>
-          </a:p>
-          <a:p>
-            <a:endParaRPr lang="ru-RU" dirty="0"/>
+            <a:endParaRPr lang="ru-RU" sz="2400" dirty="0"/>
+          </a:p>
+          <a:p>
+            <a:pPr marL="285750" indent="-285750">
+              <a:buFont typeface="Arial" panose="020B0604020202020204" pitchFamily="34" charset="0"/>
+              <a:buChar char="•"/>
+            </a:pPr>
+            <a:r>
+              <a:rPr lang="ru-RU" sz="2400" dirty="0"/>
+              <a:t>Доступность программы</a:t>
+            </a:r>
+          </a:p>
+          <a:p>
+            <a:pPr marL="285750" indent="-285750">
+              <a:buFont typeface="Arial" panose="020B0604020202020204" pitchFamily="34" charset="0"/>
+              <a:buChar char="•"/>
+            </a:pPr>
+            <a:endParaRPr lang="ru-RU" sz="2400" dirty="0"/>
           </a:p>
         </p:txBody>
       </p:sp>
       <p:pic>
         <p:nvPicPr>
-          <p:cNvPr id="5" name="Объект 5">
+          <p:cNvPr id="6" name="Рисунок 5">
             <a:extLst>
               <a:ext uri="{FF2B5EF4-FFF2-40B4-BE49-F238E27FC236}">
-                <a16:creationId xmlns:a16="http://schemas.microsoft.com/office/drawing/2014/main" id="{746391E0-7152-CF45-99D9-356761A2E3A3}"/>
+                <a16:creationId xmlns:a16="http://schemas.microsoft.com/office/drawing/2014/main" id="{A1214090-D5F5-0142-AC7C-936CA9EE9F27}"/>
               </a:ext>
             </a:extLst>
           </p:cNvPr>
@@ -6035,48 +6136,31 @@
           <p:nvPr/>
         </p:nvPicPr>
         <p:blipFill>
-          <a:blip r:embed="rId4"/>
+          <a:blip r:embed="rId4">
+            <a:extLst>
+              <a:ext uri="{28A0092B-C50C-407E-A947-70E740481C1C}">
+                <a14:useLocalDpi xmlns:a14="http://schemas.microsoft.com/office/drawing/2010/main" val="0"/>
+              </a:ext>
+            </a:extLst>
+          </a:blip>
           <a:stretch>
             <a:fillRect/>
           </a:stretch>
         </p:blipFill>
-        <p:spPr bwMode="auto">
+        <p:spPr>
           <a:xfrm>
-            <a:off x="6240016" y="1605755"/>
-            <a:ext cx="5328592" cy="4055498"/>
+            <a:off x="6096000" y="2276872"/>
+            <a:ext cx="5433234" cy="3672408"/>
           </a:xfrm>
           <a:prstGeom prst="rect">
             <a:avLst/>
           </a:prstGeom>
-          <a:noFill/>
-          <a:ln>
-            <a:noFill/>
-          </a:ln>
-          <a:extLst>
-            <a:ext uri="{909E8E84-426E-40DD-AFC4-6F175D3DCCD1}">
-              <a14:hiddenFill xmlns:a14="http://schemas.microsoft.com/office/drawing/2010/main">
-                <a:solidFill>
-                  <a:srgbClr val="FFFFFF"/>
-                </a:solidFill>
-              </a14:hiddenFill>
-            </a:ext>
-            <a:ext uri="{91240B29-F687-4F45-9708-019B960494DF}">
-              <a14:hiddenLine xmlns:a14="http://schemas.microsoft.com/office/drawing/2010/main" w="9525">
-                <a:solidFill>
-                  <a:srgbClr val="000000"/>
-                </a:solidFill>
-                <a:miter lim="800000"/>
-                <a:headEnd/>
-                <a:tailEnd/>
-              </a14:hiddenLine>
-            </a:ext>
-          </a:extLst>
         </p:spPr>
       </p:pic>
     </p:spTree>
     <p:extLst>
       <p:ext uri="{BB962C8B-B14F-4D97-AF65-F5344CB8AC3E}">
-        <p14:creationId xmlns:p14="http://schemas.microsoft.com/office/powerpoint/2010/main" val="2197604658"/>
+        <p14:creationId xmlns:p14="http://schemas.microsoft.com/office/powerpoint/2010/main" val="2214604749"/>
       </p:ext>
     </p:extLst>
   </p:cSld>
@@ -6362,223 +6446,6 @@
 </file>
 
 <file path=ppt/slides/slide6.xml><?xml version="1.0" encoding="utf-8"?>
-<p:sld xmlns:a="http://schemas.openxmlformats.org/drawingml/2006/main" xmlns:r="http://schemas.openxmlformats.org/officeDocument/2006/relationships" xmlns:p="http://schemas.openxmlformats.org/presentationml/2006/main">
-  <p:cSld>
-    <p:bg>
-      <p:bgPr>
-        <a:blipFill dpi="0" rotWithShape="1">
-          <a:blip r:embed="rId3">
-            <a:lum/>
-          </a:blip>
-          <a:srcRect/>
-          <a:stretch>
-            <a:fillRect/>
-          </a:stretch>
-        </a:blipFill>
-        <a:effectLst/>
-      </p:bgPr>
-    </p:bg>
-    <p:spTree>
-      <p:nvGrpSpPr>
-        <p:cNvPr id="1" name=""/>
-        <p:cNvGrpSpPr/>
-        <p:nvPr/>
-      </p:nvGrpSpPr>
-      <p:grpSpPr>
-        <a:xfrm>
-          <a:off x="0" y="0"/>
-          <a:ext cx="0" cy="0"/>
-          <a:chOff x="0" y="0"/>
-          <a:chExt cx="0" cy="0"/>
-        </a:xfrm>
-      </p:grpSpPr>
-      <p:sp>
-        <p:nvSpPr>
-          <p:cNvPr id="2" name="TextBox 1">
-            <a:extLst>
-              <a:ext uri="{FF2B5EF4-FFF2-40B4-BE49-F238E27FC236}">
-                <a16:creationId xmlns:a16="http://schemas.microsoft.com/office/drawing/2014/main" id="{D3E0DC5E-67CC-2445-879B-334F8ED2FB9E}"/>
-              </a:ext>
-            </a:extLst>
-          </p:cNvPr>
-          <p:cNvSpPr txBox="1"/>
-          <p:nvPr/>
-        </p:nvSpPr>
-        <p:spPr>
-          <a:xfrm>
-            <a:off x="1703512" y="404664"/>
-            <a:ext cx="3716851" cy="769441"/>
-          </a:xfrm>
-          <a:prstGeom prst="rect">
-            <a:avLst/>
-          </a:prstGeom>
-          <a:noFill/>
-        </p:spPr>
-        <p:txBody>
-          <a:bodyPr wrap="none" rtlCol="0">
-            <a:spAutoFit/>
-          </a:bodyPr>
-          <a:lstStyle/>
-          <a:p>
-            <a:r>
-              <a:rPr lang="ru-RU" sz="4400" b="1" dirty="0">
-                <a:solidFill>
-                  <a:srgbClr val="001F4F"/>
-                </a:solidFill>
-              </a:rPr>
-              <a:t>Архитектура</a:t>
-            </a:r>
-          </a:p>
-        </p:txBody>
-      </p:sp>
-      <p:sp>
-        <p:nvSpPr>
-          <p:cNvPr id="3" name="TextBox 2">
-            <a:extLst>
-              <a:ext uri="{FF2B5EF4-FFF2-40B4-BE49-F238E27FC236}">
-                <a16:creationId xmlns:a16="http://schemas.microsoft.com/office/drawing/2014/main" id="{156063B0-427B-C943-AF15-F9AA7DE004D1}"/>
-              </a:ext>
-            </a:extLst>
-          </p:cNvPr>
-          <p:cNvSpPr txBox="1"/>
-          <p:nvPr/>
-        </p:nvSpPr>
-        <p:spPr>
-          <a:xfrm>
-            <a:off x="623392" y="2090172"/>
-            <a:ext cx="6134500" cy="2677656"/>
-          </a:xfrm>
-          <a:prstGeom prst="rect">
-            <a:avLst/>
-          </a:prstGeom>
-          <a:noFill/>
-        </p:spPr>
-        <p:txBody>
-          <a:bodyPr wrap="none" rtlCol="0">
-            <a:spAutoFit/>
-          </a:bodyPr>
-          <a:lstStyle/>
-          <a:p>
-            <a:r>
-              <a:rPr lang="ru-RU" sz="2400" dirty="0"/>
-              <a:t>Архитектура проекта состоит из</a:t>
-            </a:r>
-            <a:r>
-              <a:rPr lang="en-US" sz="2400" dirty="0"/>
-              <a:t>:</a:t>
-            </a:r>
-            <a:endParaRPr lang="ru-RU" sz="2400" dirty="0"/>
-          </a:p>
-          <a:p>
-            <a:pPr marL="342900" indent="-342900">
-              <a:buFont typeface="+mj-lt"/>
-              <a:buAutoNum type="arabicPeriod"/>
-            </a:pPr>
-            <a:endParaRPr lang="ru-RU" sz="2400" dirty="0"/>
-          </a:p>
-          <a:p>
-            <a:pPr marL="342900" indent="-342900">
-              <a:buFont typeface="+mj-lt"/>
-              <a:buAutoNum type="arabicPeriod"/>
-            </a:pPr>
-            <a:r>
-              <a:rPr lang="ru-RU" sz="2400" dirty="0"/>
-              <a:t>Визуальная часть</a:t>
-            </a:r>
-            <a:r>
-              <a:rPr lang="en-US" sz="2400" dirty="0"/>
-              <a:t>,</a:t>
-            </a:r>
-            <a:r>
-              <a:rPr lang="ru-RU" sz="2400" dirty="0"/>
-              <a:t> написанная на </a:t>
-            </a:r>
-            <a:r>
-              <a:rPr lang="en-US" sz="2400" dirty="0" err="1"/>
-              <a:t>PyQt</a:t>
-            </a:r>
-            <a:endParaRPr lang="en-US" sz="2400" dirty="0"/>
-          </a:p>
-          <a:p>
-            <a:pPr marL="342900" indent="-342900">
-              <a:buFont typeface="+mj-lt"/>
-              <a:buAutoNum type="arabicPeriod"/>
-            </a:pPr>
-            <a:endParaRPr lang="en-US" sz="2400" dirty="0"/>
-          </a:p>
-          <a:p>
-            <a:pPr marL="342900" indent="-342900">
-              <a:buFont typeface="+mj-lt"/>
-              <a:buAutoNum type="arabicPeriod"/>
-            </a:pPr>
-            <a:r>
-              <a:rPr lang="ru-RU" sz="2400" dirty="0"/>
-              <a:t>Внутренний функционал программы</a:t>
-            </a:r>
-          </a:p>
-          <a:p>
-            <a:pPr marL="342900" indent="-342900">
-              <a:buFont typeface="+mj-lt"/>
-              <a:buAutoNum type="arabicPeriod"/>
-            </a:pPr>
-            <a:endParaRPr lang="ru-RU" sz="2400" dirty="0"/>
-          </a:p>
-          <a:p>
-            <a:pPr marL="342900" indent="-342900">
-              <a:buFont typeface="+mj-lt"/>
-              <a:buAutoNum type="arabicPeriod"/>
-            </a:pPr>
-            <a:r>
-              <a:rPr lang="ru-RU" sz="2400" dirty="0"/>
-              <a:t>База данных для генерации задач</a:t>
-            </a:r>
-          </a:p>
-        </p:txBody>
-      </p:sp>
-      <p:pic>
-        <p:nvPicPr>
-          <p:cNvPr id="5" name="Объект 7">
-            <a:extLst>
-              <a:ext uri="{FF2B5EF4-FFF2-40B4-BE49-F238E27FC236}">
-                <a16:creationId xmlns:a16="http://schemas.microsoft.com/office/drawing/2014/main" id="{9B4210C8-8A63-4246-8C4D-7E7C2B7A406D}"/>
-              </a:ext>
-            </a:extLst>
-          </p:cNvPr>
-          <p:cNvPicPr>
-            <a:picLocks noChangeAspect="1"/>
-          </p:cNvPicPr>
-          <p:nvPr/>
-        </p:nvPicPr>
-        <p:blipFill>
-          <a:blip r:embed="rId4"/>
-          <a:stretch>
-            <a:fillRect/>
-          </a:stretch>
-        </p:blipFill>
-        <p:spPr>
-          <a:xfrm>
-            <a:off x="6757892" y="1561171"/>
-            <a:ext cx="5314948" cy="3692731"/>
-          </a:xfrm>
-          <a:prstGeom prst="rect">
-            <a:avLst/>
-          </a:prstGeom>
-        </p:spPr>
-      </p:pic>
-    </p:spTree>
-    <p:extLst>
-      <p:ext uri="{BB962C8B-B14F-4D97-AF65-F5344CB8AC3E}">
-        <p14:creationId xmlns:p14="http://schemas.microsoft.com/office/powerpoint/2010/main" val="2320917260"/>
-      </p:ext>
-    </p:extLst>
-  </p:cSld>
-  <p:clrMapOvr>
-    <a:masterClrMapping/>
-  </p:clrMapOvr>
-</p:sld>
-</file>
-
-<file path=ppt/slides/slide7.xml><?xml version="1.0" encoding="utf-8"?>
 <p:sld xmlns:a="http://schemas.openxmlformats.org/drawingml/2006/main" xmlns:r="http://schemas.openxmlformats.org/officeDocument/2006/relationships" xmlns:p="http://schemas.openxmlformats.org/presentationml/2006/main">
   <p:cSld>
     <p:bg>
@@ -6831,6 +6698,229 @@
 </p:sld>
 </file>
 
+<file path=ppt/slides/slide7.xml><?xml version="1.0" encoding="utf-8"?>
+<p:sld xmlns:a="http://schemas.openxmlformats.org/drawingml/2006/main" xmlns:r="http://schemas.openxmlformats.org/officeDocument/2006/relationships" xmlns:p="http://schemas.openxmlformats.org/presentationml/2006/main">
+  <p:cSld>
+    <p:bg>
+      <p:bgPr>
+        <a:blipFill dpi="0" rotWithShape="1">
+          <a:blip r:embed="rId3">
+            <a:lum/>
+          </a:blip>
+          <a:srcRect/>
+          <a:stretch>
+            <a:fillRect/>
+          </a:stretch>
+        </a:blipFill>
+        <a:effectLst/>
+      </p:bgPr>
+    </p:bg>
+    <p:spTree>
+      <p:nvGrpSpPr>
+        <p:cNvPr id="1" name=""/>
+        <p:cNvGrpSpPr/>
+        <p:nvPr/>
+      </p:nvGrpSpPr>
+      <p:grpSpPr>
+        <a:xfrm>
+          <a:off x="0" y="0"/>
+          <a:ext cx="0" cy="0"/>
+          <a:chOff x="0" y="0"/>
+          <a:chExt cx="0" cy="0"/>
+        </a:xfrm>
+      </p:grpSpPr>
+      <p:sp>
+        <p:nvSpPr>
+          <p:cNvPr id="2" name="TextBox 1">
+            <a:extLst>
+              <a:ext uri="{FF2B5EF4-FFF2-40B4-BE49-F238E27FC236}">
+                <a16:creationId xmlns:a16="http://schemas.microsoft.com/office/drawing/2014/main" id="{D3E0DC5E-67CC-2445-879B-334F8ED2FB9E}"/>
+              </a:ext>
+            </a:extLst>
+          </p:cNvPr>
+          <p:cNvSpPr txBox="1"/>
+          <p:nvPr/>
+        </p:nvSpPr>
+        <p:spPr>
+          <a:xfrm>
+            <a:off x="1703512" y="404664"/>
+            <a:ext cx="3716851" cy="769441"/>
+          </a:xfrm>
+          <a:prstGeom prst="rect">
+            <a:avLst/>
+          </a:prstGeom>
+          <a:noFill/>
+        </p:spPr>
+        <p:txBody>
+          <a:bodyPr wrap="none" rtlCol="0">
+            <a:spAutoFit/>
+          </a:bodyPr>
+          <a:lstStyle/>
+          <a:p>
+            <a:r>
+              <a:rPr lang="ru-RU" sz="4400" b="1" dirty="0">
+                <a:solidFill>
+                  <a:srgbClr val="001F4F"/>
+                </a:solidFill>
+              </a:rPr>
+              <a:t>Архитектура</a:t>
+            </a:r>
+          </a:p>
+        </p:txBody>
+      </p:sp>
+      <p:sp>
+        <p:nvSpPr>
+          <p:cNvPr id="3" name="TextBox 2">
+            <a:extLst>
+              <a:ext uri="{FF2B5EF4-FFF2-40B4-BE49-F238E27FC236}">
+                <a16:creationId xmlns:a16="http://schemas.microsoft.com/office/drawing/2014/main" id="{156063B0-427B-C943-AF15-F9AA7DE004D1}"/>
+              </a:ext>
+            </a:extLst>
+          </p:cNvPr>
+          <p:cNvSpPr txBox="1"/>
+          <p:nvPr/>
+        </p:nvSpPr>
+        <p:spPr>
+          <a:xfrm>
+            <a:off x="623392" y="2090172"/>
+            <a:ext cx="6134500" cy="2677656"/>
+          </a:xfrm>
+          <a:prstGeom prst="rect">
+            <a:avLst/>
+          </a:prstGeom>
+          <a:noFill/>
+        </p:spPr>
+        <p:txBody>
+          <a:bodyPr wrap="none" rtlCol="0">
+            <a:spAutoFit/>
+          </a:bodyPr>
+          <a:lstStyle/>
+          <a:p>
+            <a:r>
+              <a:rPr lang="ru-RU" sz="2400" dirty="0"/>
+              <a:t>Архитектура проекта состоит из</a:t>
+            </a:r>
+            <a:r>
+              <a:rPr lang="en-US" sz="2400" dirty="0"/>
+              <a:t>:</a:t>
+            </a:r>
+            <a:endParaRPr lang="ru-RU" sz="2400" dirty="0"/>
+          </a:p>
+          <a:p>
+            <a:pPr marL="342900" indent="-342900">
+              <a:buFont typeface="+mj-lt"/>
+              <a:buAutoNum type="arabicPeriod"/>
+            </a:pPr>
+            <a:endParaRPr lang="ru-RU" sz="2400" dirty="0"/>
+          </a:p>
+          <a:p>
+            <a:pPr marL="342900" indent="-342900">
+              <a:buFont typeface="+mj-lt"/>
+              <a:buAutoNum type="arabicPeriod"/>
+            </a:pPr>
+            <a:r>
+              <a:rPr lang="ru-RU" sz="2400" dirty="0"/>
+              <a:t>Визуальная часть</a:t>
+            </a:r>
+            <a:r>
+              <a:rPr lang="en-US" sz="2400" dirty="0"/>
+              <a:t>,</a:t>
+            </a:r>
+            <a:r>
+              <a:rPr lang="ru-RU" sz="2400" dirty="0"/>
+              <a:t> написанная на </a:t>
+            </a:r>
+            <a:r>
+              <a:rPr lang="en-US" sz="2400" dirty="0" err="1"/>
+              <a:t>PyQt</a:t>
+            </a:r>
+            <a:endParaRPr lang="en-US" sz="2400" dirty="0"/>
+          </a:p>
+          <a:p>
+            <a:pPr marL="342900" indent="-342900">
+              <a:buFont typeface="+mj-lt"/>
+              <a:buAutoNum type="arabicPeriod"/>
+            </a:pPr>
+            <a:endParaRPr lang="en-US" sz="2400" dirty="0"/>
+          </a:p>
+          <a:p>
+            <a:pPr marL="342900" indent="-342900">
+              <a:buFont typeface="+mj-lt"/>
+              <a:buAutoNum type="arabicPeriod"/>
+            </a:pPr>
+            <a:r>
+              <a:rPr lang="ru-RU" sz="2400" dirty="0"/>
+              <a:t>Внутренний функционал программы</a:t>
+            </a:r>
+          </a:p>
+          <a:p>
+            <a:pPr marL="342900" indent="-342900">
+              <a:buFont typeface="+mj-lt"/>
+              <a:buAutoNum type="arabicPeriod"/>
+            </a:pPr>
+            <a:endParaRPr lang="ru-RU" sz="2400" dirty="0"/>
+          </a:p>
+          <a:p>
+            <a:pPr marL="342900" indent="-342900">
+              <a:buFont typeface="+mj-lt"/>
+              <a:buAutoNum type="arabicPeriod"/>
+            </a:pPr>
+            <a:r>
+              <a:rPr lang="ru-RU" sz="2400" dirty="0"/>
+              <a:t>База данных для генерации задач</a:t>
+            </a:r>
+          </a:p>
+        </p:txBody>
+      </p:sp>
+      <p:pic>
+        <p:nvPicPr>
+          <p:cNvPr id="10" name="Рисунок 9">
+            <a:extLst>
+              <a:ext uri="{FF2B5EF4-FFF2-40B4-BE49-F238E27FC236}">
+                <a16:creationId xmlns:a16="http://schemas.microsoft.com/office/drawing/2014/main" id="{E63729FC-A32F-7242-9986-8726B671E099}"/>
+              </a:ext>
+            </a:extLst>
+          </p:cNvPr>
+          <p:cNvPicPr>
+            <a:picLocks noChangeAspect="1"/>
+          </p:cNvPicPr>
+          <p:nvPr/>
+        </p:nvPicPr>
+        <p:blipFill>
+          <a:blip r:embed="rId4">
+            <a:extLst>
+              <a:ext uri="{28A0092B-C50C-407E-A947-70E740481C1C}">
+                <a14:useLocalDpi xmlns:a14="http://schemas.microsoft.com/office/drawing/2010/main" val="0"/>
+              </a:ext>
+            </a:extLst>
+          </a:blip>
+          <a:stretch>
+            <a:fillRect/>
+          </a:stretch>
+        </p:blipFill>
+        <p:spPr>
+          <a:xfrm>
+            <a:off x="6888088" y="1376772"/>
+            <a:ext cx="5112568" cy="4104456"/>
+          </a:xfrm>
+          <a:prstGeom prst="rect">
+            <a:avLst/>
+          </a:prstGeom>
+        </p:spPr>
+      </p:pic>
+    </p:spTree>
+    <p:extLst>
+      <p:ext uri="{BB962C8B-B14F-4D97-AF65-F5344CB8AC3E}">
+        <p14:creationId xmlns:p14="http://schemas.microsoft.com/office/powerpoint/2010/main" val="2320917260"/>
+      </p:ext>
+    </p:extLst>
+  </p:cSld>
+  <p:clrMapOvr>
+    <a:masterClrMapping/>
+  </p:clrMapOvr>
+</p:sld>
+</file>
+
 <file path=ppt/slides/slide8.xml><?xml version="1.0" encoding="utf-8"?>
 <p:sld xmlns:a="http://schemas.openxmlformats.org/drawingml/2006/main" xmlns:r="http://schemas.openxmlformats.org/officeDocument/2006/relationships" xmlns:p="http://schemas.openxmlformats.org/presentationml/2006/main">
   <p:cSld>
@@ -7032,7 +7122,7 @@
           <p:cNvPr id="2" name="TextBox 1">
             <a:extLst>
               <a:ext uri="{FF2B5EF4-FFF2-40B4-BE49-F238E27FC236}">
-                <a16:creationId xmlns:a16="http://schemas.microsoft.com/office/drawing/2014/main" id="{78995021-96E3-FB47-9240-1C2C280AE980}"/>
+                <a16:creationId xmlns:a16="http://schemas.microsoft.com/office/drawing/2014/main" id="{EEE6D9F6-A85C-3A47-9DB8-E3C33FFAD9EB}"/>
               </a:ext>
             </a:extLst>
           </p:cNvPr>
@@ -7042,7 +7132,7 @@
         <p:spPr>
           <a:xfrm>
             <a:off x="1703512" y="404664"/>
-            <a:ext cx="7859909" cy="769441"/>
+            <a:ext cx="6855210" cy="769441"/>
           </a:xfrm>
           <a:prstGeom prst="rect">
             <a:avLst/>
@@ -7061,7 +7151,7 @@
                   <a:srgbClr val="001F4F"/>
                 </a:solidFill>
               </a:rPr>
-              <a:t>Демонстрация результатов</a:t>
+              <a:t>Перспективы развития </a:t>
             </a:r>
           </a:p>
         </p:txBody>
@@ -7071,7 +7161,7 @@
           <p:cNvPr id="3" name="TextBox 2">
             <a:extLst>
               <a:ext uri="{FF2B5EF4-FFF2-40B4-BE49-F238E27FC236}">
-                <a16:creationId xmlns:a16="http://schemas.microsoft.com/office/drawing/2014/main" id="{393B9363-118C-154D-B11D-8EC1DD764CE4}"/>
+                <a16:creationId xmlns:a16="http://schemas.microsoft.com/office/drawing/2014/main" id="{9BD5324A-91F4-884C-861A-EC2538E5BB7F}"/>
               </a:ext>
             </a:extLst>
           </p:cNvPr>
@@ -7080,8 +7170,8 @@
         </p:nvSpPr>
         <p:spPr>
           <a:xfrm>
-            <a:off x="551384" y="1644537"/>
-            <a:ext cx="9763057" cy="2308324"/>
+            <a:off x="384116" y="1988840"/>
+            <a:ext cx="11400516" cy="3347840"/>
           </a:xfrm>
           <a:prstGeom prst="rect">
             <a:avLst/>
@@ -7089,79 +7179,79 @@
           <a:noFill/>
         </p:spPr>
         <p:txBody>
-          <a:bodyPr wrap="none" rtlCol="0">
+          <a:bodyPr wrap="square" rtlCol="0">
             <a:spAutoFit/>
           </a:bodyPr>
           <a:lstStyle/>
           <a:p>
+            <a:pPr marL="457200" indent="-457200" algn="just">
+              <a:lnSpc>
+                <a:spcPct val="150000"/>
+              </a:lnSpc>
+              <a:buFont typeface="Arial" panose="020B0604020202020204" pitchFamily="34" charset="0"/>
+              <a:buChar char="•"/>
+            </a:pPr>
             <a:r>
               <a:rPr lang="ru-RU" sz="2400" dirty="0"/>
-              <a:t>Демонстрацию готовой программы можно найти по данной ссылке</a:t>
-            </a:r>
-          </a:p>
-          <a:p>
+              <a:t>В будущем данную программу можно будет дополнять другими мало известными формулами</a:t>
+            </a:r>
+            <a:r>
+              <a:rPr lang="en-US" sz="2400" dirty="0"/>
+              <a:t>,</a:t>
+            </a:r>
+            <a:r>
+              <a:rPr lang="ru-RU" sz="2400" dirty="0"/>
+              <a:t> которые могут пригодиться уже не только 8 классу</a:t>
+            </a:r>
+            <a:r>
+              <a:rPr lang="en-US" sz="2400" dirty="0"/>
+              <a:t>, </a:t>
+            </a:r>
+            <a:r>
+              <a:rPr lang="ru-RU" sz="2400" dirty="0"/>
+              <a:t>но так же и старшеклассникам</a:t>
+            </a:r>
+            <a:r>
+              <a:rPr lang="en-US" sz="2400" dirty="0"/>
+              <a:t>.</a:t>
+            </a:r>
             <a:endParaRPr lang="ru-RU" sz="2400" dirty="0"/>
           </a:p>
           <a:p>
-            <a:r>
-              <a:rPr lang="en" sz="2400" dirty="0">
-                <a:hlinkClick r:id="rId4"/>
-              </a:rPr>
-              <a:t>https://youtu.be/v56c3S8508c</a:t>
-            </a:r>
-            <a:endParaRPr lang="en" sz="2400" dirty="0"/>
-          </a:p>
-          <a:p>
+            <a:pPr algn="just">
+              <a:lnSpc>
+                <a:spcPct val="150000"/>
+              </a:lnSpc>
+            </a:pPr>
             <a:endParaRPr lang="en-US" sz="2400" dirty="0"/>
           </a:p>
           <a:p>
-            <a:r>
-              <a:rPr lang="en" sz="2400" dirty="0">
-                <a:hlinkClick r:id="rId5"/>
-              </a:rPr>
-              <a:t>https://github.com/kuushma/calculat</a:t>
-            </a:r>
-            <a:endParaRPr lang="ru-RU" sz="2400" dirty="0"/>
-          </a:p>
-          <a:p>
-            <a:endParaRPr lang="ru-RU" sz="2400" dirty="0"/>
-          </a:p>
-        </p:txBody>
-      </p:sp>
-      <p:pic>
-        <p:nvPicPr>
-          <p:cNvPr id="11" name="Рисунок 10">
-            <a:extLst>
-              <a:ext uri="{FF2B5EF4-FFF2-40B4-BE49-F238E27FC236}">
-                <a16:creationId xmlns:a16="http://schemas.microsoft.com/office/drawing/2014/main" id="{F4C23380-5BFF-7B42-ABD0-D9CC57B94D3C}"/>
-              </a:ext>
-            </a:extLst>
-          </p:cNvPr>
-          <p:cNvPicPr>
-            <a:picLocks noChangeAspect="1"/>
-          </p:cNvPicPr>
-          <p:nvPr/>
-        </p:nvPicPr>
-        <p:blipFill>
-          <a:blip r:embed="rId6"/>
-          <a:stretch>
-            <a:fillRect/>
-          </a:stretch>
-        </p:blipFill>
-        <p:spPr>
-          <a:xfrm>
-            <a:off x="8475596" y="2294745"/>
-            <a:ext cx="3165020" cy="4095277"/>
-          </a:xfrm>
-          <a:prstGeom prst="rect">
-            <a:avLst/>
-          </a:prstGeom>
-        </p:spPr>
-      </p:pic>
+            <a:pPr marL="457200" indent="-457200" algn="just">
+              <a:lnSpc>
+                <a:spcPct val="150000"/>
+              </a:lnSpc>
+              <a:buFont typeface="Arial" panose="020B0604020202020204" pitchFamily="34" charset="0"/>
+              <a:buChar char="•"/>
+            </a:pPr>
+            <a:r>
+              <a:rPr lang="ru-RU" sz="2400" dirty="0"/>
+              <a:t>Усовершенствовать генератор задач</a:t>
+            </a:r>
+            <a:r>
+              <a:rPr lang="en-US" sz="2400" dirty="0"/>
+              <a:t>, </a:t>
+            </a:r>
+            <a:r>
+              <a:rPr lang="ru-RU" sz="2400" dirty="0"/>
+              <a:t>для того чтобы он мог генерировать задачи с большим количеством изменяемых переменных</a:t>
+            </a:r>
+          </a:p>
+        </p:txBody>
+      </p:sp>
     </p:spTree>
     <p:extLst>
       <p:ext uri="{BB962C8B-B14F-4D97-AF65-F5344CB8AC3E}">
-        <p14:creationId xmlns:p14="http://schemas.microsoft.com/office/powerpoint/2010/main" val="2345751366"/>
+        <p14:creationId xmlns:p14="http://schemas.microsoft.com/office/powerpoint/2010/main" val="2739388265"/>
       </p:ext>
     </p:extLst>
   </p:cSld>

--- a/documentation/Кушнарева презентация_калькулятор.pptx
+++ b/documentation/Кушнарева презентация_калькулятор.pptx
@@ -259,7 +259,7 @@
           <a:p>
             <a:fld id="{3AB3671F-AA64-4FFB-BBDA-457A3DCCAFB9}" type="datetimeFigureOut">
               <a:rPr lang="ru-RU" smtClean="0"/>
-              <a:t>12.04.2022</a:t>
+              <a:t>19.04.2022</a:t>
             </a:fld>
             <a:endParaRPr lang="ru-RU"/>
           </a:p>
@@ -1630,7 +1630,7 @@
             </a:pPr>
             <a:fld id="{E9A40412-952D-4355-AEE1-5084A13E6343}" type="datetime1">
               <a:rPr lang="ru-RU" smtClean="0"/>
-              <a:t>12.04.2022</a:t>
+              <a:t>19.04.2022</a:t>
             </a:fld>
             <a:endParaRPr lang="ru-RU"/>
           </a:p>
@@ -1822,7 +1822,7 @@
             </a:pPr>
             <a:fld id="{D1A57588-AA29-48C1-A0D3-23CDC8CEF95B}" type="datetime1">
               <a:rPr lang="ru-RU" smtClean="0"/>
-              <a:t>12.04.2022</a:t>
+              <a:t>19.04.2022</a:t>
             </a:fld>
             <a:endParaRPr lang="ru-RU"/>
           </a:p>
@@ -2024,7 +2024,7 @@
             </a:pPr>
             <a:fld id="{B5D72509-6833-4348-BB60-FAACCC152FFC}" type="datetime1">
               <a:rPr lang="ru-RU" smtClean="0"/>
-              <a:t>12.04.2022</a:t>
+              <a:t>19.04.2022</a:t>
             </a:fld>
             <a:endParaRPr lang="ru-RU"/>
           </a:p>
@@ -2216,7 +2216,7 @@
             </a:pPr>
             <a:fld id="{92480D4C-61BD-483D-86D6-B62CDAB9BEDA}" type="datetime1">
               <a:rPr lang="ru-RU" smtClean="0"/>
-              <a:t>12.04.2022</a:t>
+              <a:t>19.04.2022</a:t>
             </a:fld>
             <a:endParaRPr lang="ru-RU"/>
           </a:p>
@@ -2485,7 +2485,7 @@
             </a:pPr>
             <a:fld id="{A751F13C-6A68-445F-9F3B-D8B69AC9FD7E}" type="datetime1">
               <a:rPr lang="ru-RU" smtClean="0"/>
-              <a:t>12.04.2022</a:t>
+              <a:t>19.04.2022</a:t>
             </a:fld>
             <a:endParaRPr lang="ru-RU"/>
           </a:p>
@@ -2794,7 +2794,7 @@
             </a:pPr>
             <a:fld id="{A5532E65-0D75-47CF-9E50-79D7F59885FD}" type="datetime1">
               <a:rPr lang="ru-RU" smtClean="0"/>
-              <a:t>12.04.2022</a:t>
+              <a:t>19.04.2022</a:t>
             </a:fld>
             <a:endParaRPr lang="ru-RU"/>
           </a:p>
@@ -3237,7 +3237,7 @@
             </a:pPr>
             <a:fld id="{911777F0-F331-4210-A598-9C010F52D098}" type="datetime1">
               <a:rPr lang="ru-RU" smtClean="0"/>
-              <a:t>12.04.2022</a:t>
+              <a:t>19.04.2022</a:t>
             </a:fld>
             <a:endParaRPr lang="ru-RU"/>
           </a:p>
@@ -3378,7 +3378,7 @@
             </a:pPr>
             <a:fld id="{1AC8AF8F-D2D8-4C77-9AB7-FFD30F24FEFA}" type="datetime1">
               <a:rPr lang="ru-RU" smtClean="0"/>
-              <a:t>12.04.2022</a:t>
+              <a:t>19.04.2022</a:t>
             </a:fld>
             <a:endParaRPr lang="ru-RU"/>
           </a:p>
@@ -3497,7 +3497,7 @@
             </a:pPr>
             <a:fld id="{9B4BEA78-D3AB-43BC-BBE9-CA6B0150F642}" type="datetime1">
               <a:rPr lang="ru-RU" smtClean="0"/>
-              <a:t>12.04.2022</a:t>
+              <a:t>19.04.2022</a:t>
             </a:fld>
             <a:endParaRPr lang="ru-RU"/>
           </a:p>
@@ -3796,7 +3796,7 @@
             </a:pPr>
             <a:fld id="{8B6CA31B-DE7C-454D-A29A-F2F44B92C02C}" type="datetime1">
               <a:rPr lang="ru-RU" smtClean="0"/>
-              <a:t>12.04.2022</a:t>
+              <a:t>19.04.2022</a:t>
             </a:fld>
             <a:endParaRPr lang="ru-RU"/>
           </a:p>
@@ -4078,7 +4078,7 @@
             </a:pPr>
             <a:fld id="{AE3D309E-A734-454B-96EA-1FFF9C6D640B}" type="datetime1">
               <a:rPr lang="ru-RU" smtClean="0"/>
-              <a:t>12.04.2022</a:t>
+              <a:t>19.04.2022</a:t>
             </a:fld>
             <a:endParaRPr lang="ru-RU"/>
           </a:p>
@@ -4371,7 +4371,7 @@
             </a:pPr>
             <a:fld id="{F00A4505-FFFF-4242-BC45-A2F4E67EA977}" type="datetime1">
               <a:rPr lang="ru-RU" smtClean="0"/>
-              <a:t>12.04.2022</a:t>
+              <a:t>19.04.2022</a:t>
             </a:fld>
             <a:endParaRPr lang="ru-RU"/>
           </a:p>
@@ -5025,7 +5025,7 @@
         </p:blipFill>
         <p:spPr>
           <a:xfrm>
-            <a:off x="767409" y="0"/>
+            <a:off x="767408" y="404664"/>
             <a:ext cx="5616624" cy="1080557"/>
           </a:xfrm>
           <a:prstGeom prst="rect">
@@ -5352,7 +5352,7 @@
         <p:spPr>
           <a:xfrm>
             <a:off x="551384" y="1644537"/>
-            <a:ext cx="10027617" cy="2308324"/>
+            <a:ext cx="10027617" cy="461665"/>
           </a:xfrm>
           <a:prstGeom prst="rect">
             <a:avLst/>
@@ -5369,33 +5369,6 @@
               <a:rPr lang="ru-RU" sz="2400" dirty="0"/>
               <a:t>Демонстрацию готовой программы можно найти по данный ссылкам</a:t>
             </a:r>
-          </a:p>
-          <a:p>
-            <a:endParaRPr lang="ru-RU" sz="2400" dirty="0"/>
-          </a:p>
-          <a:p>
-            <a:r>
-              <a:rPr lang="en" sz="2400" dirty="0">
-                <a:hlinkClick r:id="rId4"/>
-              </a:rPr>
-              <a:t>https://youtu.be/v56c3S8508c</a:t>
-            </a:r>
-            <a:endParaRPr lang="en" sz="2400" dirty="0"/>
-          </a:p>
-          <a:p>
-            <a:endParaRPr lang="en-US" sz="2400" dirty="0"/>
-          </a:p>
-          <a:p>
-            <a:r>
-              <a:rPr lang="en" sz="2400" dirty="0">
-                <a:hlinkClick r:id="rId5"/>
-              </a:rPr>
-              <a:t>https://github.com/kuushma/calculat</a:t>
-            </a:r>
-            <a:endParaRPr lang="ru-RU" sz="2400" dirty="0"/>
-          </a:p>
-          <a:p>
-            <a:endParaRPr lang="ru-RU" sz="2400" dirty="0"/>
           </a:p>
         </p:txBody>
       </p:sp>
@@ -5414,7 +5387,7 @@
           <p:nvPr/>
         </p:nvPicPr>
         <p:blipFill>
-          <a:blip r:embed="rId6">
+          <a:blip r:embed="rId4">
             <a:extLst>
               <a:ext uri="{28A0092B-C50C-407E-A947-70E740481C1C}">
                 <a14:useLocalDpi xmlns:a14="http://schemas.microsoft.com/office/drawing/2010/main" val="0"/>
@@ -5427,7 +5400,7 @@
         </p:blipFill>
         <p:spPr>
           <a:xfrm>
-            <a:off x="9257011" y="2393939"/>
+            <a:off x="7445976" y="2393939"/>
             <a:ext cx="2475221" cy="2475221"/>
           </a:xfrm>
           <a:prstGeom prst="rect">
@@ -5450,7 +5423,7 @@
           <p:nvPr/>
         </p:nvPicPr>
         <p:blipFill>
-          <a:blip r:embed="rId7">
+          <a:blip r:embed="rId5">
             <a:extLst>
               <a:ext uri="{28A0092B-C50C-407E-A947-70E740481C1C}">
                 <a14:useLocalDpi xmlns:a14="http://schemas.microsoft.com/office/drawing/2010/main" val="0"/>
@@ -5463,7 +5436,7 @@
         </p:blipFill>
         <p:spPr>
           <a:xfrm>
-            <a:off x="6180844" y="2390441"/>
+            <a:off x="1703512" y="2393939"/>
             <a:ext cx="2475222" cy="2475222"/>
           </a:xfrm>
           <a:prstGeom prst="rect">
@@ -5485,7 +5458,7 @@
         </p:nvSpPr>
         <p:spPr>
           <a:xfrm>
-            <a:off x="6813962" y="5378583"/>
+            <a:off x="2294952" y="5053599"/>
             <a:ext cx="1292341" cy="461665"/>
           </a:xfrm>
           <a:prstGeom prst="rect">
@@ -5523,7 +5496,7 @@
         </p:nvSpPr>
         <p:spPr>
           <a:xfrm>
-            <a:off x="9728770" y="5380733"/>
+            <a:off x="7917735" y="5053599"/>
             <a:ext cx="1531701" cy="461665"/>
           </a:xfrm>
           <a:prstGeom prst="rect">
@@ -5544,6 +5517,82 @@
               <a:t>YouTube</a:t>
             </a:r>
             <a:endParaRPr lang="ru-RU" sz="2400" b="1" dirty="0"/>
+          </a:p>
+        </p:txBody>
+      </p:sp>
+      <p:sp>
+        <p:nvSpPr>
+          <p:cNvPr id="10" name="TextBox 9">
+            <a:extLst>
+              <a:ext uri="{FF2B5EF4-FFF2-40B4-BE49-F238E27FC236}">
+                <a16:creationId xmlns:a16="http://schemas.microsoft.com/office/drawing/2014/main" id="{3990FDF9-1242-564E-8A1B-9152E6F2C35C}"/>
+              </a:ext>
+            </a:extLst>
+          </p:cNvPr>
+          <p:cNvSpPr txBox="1"/>
+          <p:nvPr/>
+        </p:nvSpPr>
+        <p:spPr>
+          <a:xfrm>
+            <a:off x="551384" y="5468869"/>
+            <a:ext cx="5166562" cy="461665"/>
+          </a:xfrm>
+          <a:prstGeom prst="rect">
+            <a:avLst/>
+          </a:prstGeom>
+          <a:noFill/>
+        </p:spPr>
+        <p:txBody>
+          <a:bodyPr wrap="square">
+            <a:spAutoFit/>
+          </a:bodyPr>
+          <a:lstStyle/>
+          <a:p>
+            <a:r>
+              <a:rPr lang="en" sz="2400" dirty="0">
+                <a:hlinkClick r:id="rId6"/>
+              </a:rPr>
+              <a:t>https://github.com/kuushma/calculat</a:t>
+            </a:r>
+            <a:endParaRPr lang="ru-RU" sz="2400" dirty="0"/>
+          </a:p>
+        </p:txBody>
+      </p:sp>
+      <p:sp>
+        <p:nvSpPr>
+          <p:cNvPr id="11" name="TextBox 10">
+            <a:extLst>
+              <a:ext uri="{FF2B5EF4-FFF2-40B4-BE49-F238E27FC236}">
+                <a16:creationId xmlns:a16="http://schemas.microsoft.com/office/drawing/2014/main" id="{EB2813CF-A3C6-C448-AD73-D9CF43C2B9ED}"/>
+              </a:ext>
+            </a:extLst>
+          </p:cNvPr>
+          <p:cNvSpPr txBox="1"/>
+          <p:nvPr/>
+        </p:nvSpPr>
+        <p:spPr>
+          <a:xfrm>
+            <a:off x="6552589" y="5468870"/>
+            <a:ext cx="4261992" cy="461665"/>
+          </a:xfrm>
+          <a:prstGeom prst="rect">
+            <a:avLst/>
+          </a:prstGeom>
+          <a:noFill/>
+        </p:spPr>
+        <p:txBody>
+          <a:bodyPr wrap="square">
+            <a:spAutoFit/>
+          </a:bodyPr>
+          <a:lstStyle/>
+          <a:p>
+            <a:r>
+              <a:rPr lang="en" sz="2400" dirty="0">
+                <a:hlinkClick r:id="rId7"/>
+              </a:rPr>
+              <a:t>https://youtu.be/v56c3S8508c</a:t>
+            </a:r>
+            <a:endParaRPr lang="en" sz="2400" dirty="0"/>
           </a:p>
         </p:txBody>
       </p:sp>
@@ -5648,7 +5697,7 @@
         <p:spPr>
           <a:xfrm>
             <a:off x="299356" y="1628800"/>
-            <a:ext cx="11593288" cy="4430765"/>
+            <a:ext cx="11593288" cy="4600042"/>
           </a:xfrm>
           <a:prstGeom prst="rect">
             <a:avLst/>
@@ -5660,39 +5709,6 @@
             <a:spAutoFit/>
           </a:bodyPr>
           <a:lstStyle/>
-          <a:p>
-            <a:pPr marL="285750" indent="-285750" algn="just">
-              <a:lnSpc>
-                <a:spcPct val="150000"/>
-              </a:lnSpc>
-              <a:buFont typeface="Arial" panose="020B0604020202020204" pitchFamily="34" charset="0"/>
-              <a:buChar char="•"/>
-            </a:pPr>
-            <a:r>
-              <a:rPr lang="ru-RU" sz="2200" dirty="0"/>
-              <a:t>В восьмом классе при изучении площадей геометрических фигур учащийся хотел бы иметь калькулятор  с помощью которого мог бы себя проверить</a:t>
-            </a:r>
-            <a:r>
-              <a:rPr lang="en-US" sz="2200" dirty="0"/>
-              <a:t>,</a:t>
-            </a:r>
-            <a:r>
-              <a:rPr lang="ru-RU" sz="2200" dirty="0"/>
-              <a:t> именно эту проблему решает данная программа</a:t>
-            </a:r>
-            <a:r>
-              <a:rPr lang="en-US" sz="2200" dirty="0"/>
-              <a:t>, </a:t>
-            </a:r>
-            <a:r>
-              <a:rPr lang="ru-RU" sz="2200" dirty="0"/>
-              <a:t>которая с помощью необходимых формул дает нам верный ответ</a:t>
-            </a:r>
-          </a:p>
-          <a:p>
-            <a:pPr algn="just"/>
-            <a:endParaRPr lang="ru-RU" sz="2200" dirty="0"/>
-          </a:p>
           <a:p>
             <a:pPr marL="342900" indent="-342900" algn="just">
               <a:lnSpc>
@@ -5735,8 +5751,57 @@
             </a:r>
             <a:r>
               <a:rPr lang="ru-RU" sz="2200" dirty="0"/>
-              <a:t>данная программа может генерировать нужное количество однотипных задач с одной меняющейся переменной</a:t>
-            </a:r>
+              <a:t>я же предлагаю автоматизировать данный процесс</a:t>
+            </a:r>
+          </a:p>
+          <a:p>
+            <a:pPr marL="342900" indent="-342900" algn="just">
+              <a:lnSpc>
+                <a:spcPct val="150000"/>
+              </a:lnSpc>
+              <a:buFont typeface="Arial" panose="020B0604020202020204" pitchFamily="34" charset="0"/>
+              <a:buChar char="•"/>
+            </a:pPr>
+            <a:endParaRPr lang="en-US" sz="2200" dirty="0"/>
+          </a:p>
+          <a:p>
+            <a:pPr marL="342900" indent="-342900" algn="just">
+              <a:lnSpc>
+                <a:spcPct val="150000"/>
+              </a:lnSpc>
+              <a:buFont typeface="Arial" panose="020B0604020202020204" pitchFamily="34" charset="0"/>
+              <a:buChar char="•"/>
+            </a:pPr>
+            <a:r>
+              <a:rPr lang="ru-RU" sz="2200" dirty="0"/>
+              <a:t>В восьмом классе при изучении площадей геометрических фигур учащийся хотел бы иметь калькулятор  с помощью которого мог бы себя проверить</a:t>
+            </a:r>
+            <a:r>
+              <a:rPr lang="en-US" sz="2200" dirty="0"/>
+              <a:t>,</a:t>
+            </a:r>
+            <a:r>
+              <a:rPr lang="ru-RU" sz="2200" dirty="0"/>
+              <a:t> именно эту проблему решает данная программа</a:t>
+            </a:r>
+            <a:r>
+              <a:rPr lang="en-US" sz="2200" dirty="0"/>
+              <a:t>, </a:t>
+            </a:r>
+            <a:r>
+              <a:rPr lang="ru-RU" sz="2200" dirty="0"/>
+              <a:t>которая с помощью необходимых формул дает нам верный ответ</a:t>
+            </a:r>
+          </a:p>
+          <a:p>
+            <a:pPr marL="342900" indent="-342900" algn="just">
+              <a:lnSpc>
+                <a:spcPct val="150000"/>
+              </a:lnSpc>
+              <a:buFont typeface="Arial" panose="020B0604020202020204" pitchFamily="34" charset="0"/>
+              <a:buChar char="•"/>
+            </a:pPr>
+            <a:endParaRPr lang="ru-RU" sz="2200" dirty="0"/>
           </a:p>
         </p:txBody>
       </p:sp>
@@ -5750,18 +5815,6 @@
   <p:clrMapOvr>
     <a:masterClrMapping/>
   </p:clrMapOvr>
-  <mc:AlternateContent xmlns:mc="http://schemas.openxmlformats.org/markup-compatibility/2006" xmlns:p15="http://schemas.microsoft.com/office/powerpoint/2012/main">
-    <mc:Choice Requires="p15">
-      <p:transition xmlns:p14="http://schemas.microsoft.com/office/powerpoint/2010/main" spd="slow" p14:dur="2000">
-        <p15:prstTrans prst="crush"/>
-      </p:transition>
-    </mc:Choice>
-    <mc:Fallback xmlns="">
-      <p:transition spd="slow">
-        <p:fade/>
-      </p:transition>
-    </mc:Fallback>
-  </mc:AlternateContent>
 </p:sld>
 </file>
 
@@ -5849,8 +5902,8 @@
         </p:nvSpPr>
         <p:spPr>
           <a:xfrm>
-            <a:off x="407368" y="1605755"/>
-            <a:ext cx="5688632" cy="4893647"/>
+            <a:off x="263352" y="1616672"/>
+            <a:ext cx="5832648" cy="4524315"/>
           </a:xfrm>
           <a:prstGeom prst="rect">
             <a:avLst/>
@@ -5869,8 +5922,56 @@
               </a:lnSpc>
             </a:pPr>
             <a:r>
-              <a:rPr lang="ru-RU" sz="2800" dirty="0"/>
-              <a:t>Автоматизировать генерацию однотипных задач</a:t>
+              <a:rPr lang="ru-RU" sz="2000" dirty="0"/>
+              <a:t>1) Автоматизировать генерацию однотипных задач</a:t>
+            </a:r>
+            <a:r>
+              <a:rPr lang="en-US" sz="2000" dirty="0"/>
+              <a:t>.</a:t>
+            </a:r>
+            <a:r>
+              <a:rPr lang="ru-RU" sz="2000" dirty="0"/>
+              <a:t> Учитель вводить задачу с переменными</a:t>
+            </a:r>
+            <a:r>
+              <a:rPr lang="en-US" sz="2000" dirty="0"/>
+              <a:t>, </a:t>
+            </a:r>
+            <a:r>
+              <a:rPr lang="ru-RU" sz="2000" dirty="0"/>
+              <a:t>программа находит переменные и предлагает какими их нужно сделать (вещественные</a:t>
+            </a:r>
+            <a:r>
+              <a:rPr lang="en-US" sz="2000" dirty="0"/>
+              <a:t>, </a:t>
+            </a:r>
+            <a:r>
+              <a:rPr lang="ru-RU" sz="2000" dirty="0"/>
+              <a:t>целые</a:t>
+            </a:r>
+            <a:r>
+              <a:rPr lang="en-US" sz="2000" dirty="0"/>
+              <a:t>, </a:t>
+            </a:r>
+            <a:r>
+              <a:rPr lang="ru-RU" sz="2000" dirty="0"/>
+              <a:t>диапазон)</a:t>
+            </a:r>
+            <a:r>
+              <a:rPr lang="en-US" sz="2000" dirty="0"/>
+              <a:t>, </a:t>
+            </a:r>
+            <a:r>
+              <a:rPr lang="ru-RU" sz="2000" dirty="0"/>
+              <a:t>после чего генерирует задачи и сохраняет в </a:t>
+            </a:r>
+            <a:r>
+              <a:rPr lang="en-US" sz="2000" dirty="0"/>
+              <a:t>word </a:t>
+            </a:r>
+            <a:r>
+              <a:rPr lang="ru-RU" sz="2000" dirty="0"/>
+              <a:t>файл</a:t>
             </a:r>
           </a:p>
           <a:p>
@@ -5879,7 +5980,10 @@
                 <a:spcPct val="150000"/>
               </a:lnSpc>
             </a:pPr>
-            <a:endParaRPr lang="ru-RU" sz="2800" dirty="0"/>
+            <a:r>
+              <a:rPr lang="ru-RU" sz="2000" dirty="0"/>
+              <a:t>2) Упростить проверку задач на нахождение площади геометрических </a:t>
+            </a:r>
           </a:p>
           <a:p>
             <a:pPr>
@@ -5888,18 +5992,7 @@
               </a:lnSpc>
             </a:pPr>
             <a:r>
-              <a:rPr lang="ru-RU" sz="2800" dirty="0"/>
-              <a:t>Упростить проверку задач на нахождение площади геометрических </a:t>
-            </a:r>
-          </a:p>
-          <a:p>
-            <a:pPr>
-              <a:lnSpc>
-                <a:spcPct val="150000"/>
-              </a:lnSpc>
-            </a:pPr>
-            <a:r>
-              <a:rPr lang="ru-RU" sz="2800" dirty="0"/>
+              <a:rPr lang="ru-RU" sz="2000" dirty="0"/>
               <a:t>фигур</a:t>
             </a:r>
           </a:p>
@@ -5910,10 +6003,10 @@
       </p:sp>
       <p:pic>
         <p:nvPicPr>
-          <p:cNvPr id="6" name="Рисунок 5">
+          <p:cNvPr id="5" name="Рисунок 4">
             <a:extLst>
               <a:ext uri="{FF2B5EF4-FFF2-40B4-BE49-F238E27FC236}">
-                <a16:creationId xmlns:a16="http://schemas.microsoft.com/office/drawing/2014/main" id="{77743152-D9FB-6B4F-98D9-C9D5AFFB944E}"/>
+                <a16:creationId xmlns:a16="http://schemas.microsoft.com/office/drawing/2014/main" id="{FC468568-40E7-6942-8B84-58F2DB295FAB}"/>
               </a:ext>
             </a:extLst>
           </p:cNvPr>
@@ -5936,8 +6029,8 @@
         </p:blipFill>
         <p:spPr>
           <a:xfrm>
-            <a:off x="6095999" y="1742068"/>
-            <a:ext cx="5688633" cy="4621019"/>
+            <a:off x="6096000" y="1570171"/>
+            <a:ext cx="5948369" cy="4617319"/>
           </a:xfrm>
           <a:prstGeom prst="rect">
             <a:avLst/>
@@ -6381,10 +6474,10 @@
       </p:sp>
       <p:pic>
         <p:nvPicPr>
-          <p:cNvPr id="7" name="Объект 5">
+          <p:cNvPr id="5" name="Рисунок 4">
             <a:extLst>
               <a:ext uri="{FF2B5EF4-FFF2-40B4-BE49-F238E27FC236}">
-                <a16:creationId xmlns:a16="http://schemas.microsoft.com/office/drawing/2014/main" id="{513C58FF-6E5F-EF41-84B3-CA4D97266836}"/>
+                <a16:creationId xmlns:a16="http://schemas.microsoft.com/office/drawing/2014/main" id="{58CF791F-51EA-D347-8808-757450F648D2}"/>
               </a:ext>
             </a:extLst>
           </p:cNvPr>
@@ -6394,42 +6487,25 @@
           <p:nvPr/>
         </p:nvPicPr>
         <p:blipFill>
-          <a:blip r:embed="rId4"/>
+          <a:blip r:embed="rId4">
+            <a:extLst>
+              <a:ext uri="{28A0092B-C50C-407E-A947-70E740481C1C}">
+                <a14:useLocalDpi xmlns:a14="http://schemas.microsoft.com/office/drawing/2010/main" val="0"/>
+              </a:ext>
+            </a:extLst>
+          </a:blip>
           <a:stretch>
             <a:fillRect/>
           </a:stretch>
         </p:blipFill>
-        <p:spPr bwMode="auto">
+        <p:spPr>
           <a:xfrm>
-            <a:off x="7752184" y="1484784"/>
-            <a:ext cx="3620111" cy="4617925"/>
+            <a:off x="7536160" y="1412776"/>
+            <a:ext cx="4552076" cy="4782039"/>
           </a:xfrm>
           <a:prstGeom prst="rect">
             <a:avLst/>
           </a:prstGeom>
-          <a:noFill/>
-          <a:ln>
-            <a:noFill/>
-          </a:ln>
-          <a:extLst>
-            <a:ext uri="{909E8E84-426E-40DD-AFC4-6F175D3DCCD1}">
-              <a14:hiddenFill xmlns:a14="http://schemas.microsoft.com/office/drawing/2010/main">
-                <a:solidFill>
-                  <a:srgbClr val="FFFFFF"/>
-                </a:solidFill>
-              </a14:hiddenFill>
-            </a:ext>
-            <a:ext uri="{91240B29-F687-4F45-9708-019B960494DF}">
-              <a14:hiddenLine xmlns:a14="http://schemas.microsoft.com/office/drawing/2010/main" w="9525">
-                <a:solidFill>
-                  <a:srgbClr val="000000"/>
-                </a:solidFill>
-                <a:miter lim="800000"/>
-                <a:headEnd/>
-                <a:tailEnd/>
-              </a14:hiddenLine>
-            </a:ext>
-          </a:extLst>
         </p:spPr>
       </p:pic>
     </p:spTree>
@@ -6529,8 +6605,8 @@
         </p:nvSpPr>
         <p:spPr>
           <a:xfrm>
-            <a:off x="384116" y="1988840"/>
-            <a:ext cx="3407628" cy="2793842"/>
+            <a:off x="191344" y="1668350"/>
+            <a:ext cx="4361778" cy="5067413"/>
           </a:xfrm>
           <a:prstGeom prst="rect">
             <a:avLst/>
@@ -6542,6 +6618,35 @@
             <a:spAutoFit/>
           </a:bodyPr>
           <a:lstStyle/>
+          <a:p>
+            <a:pPr marL="457200" indent="-457200">
+              <a:lnSpc>
+                <a:spcPct val="150000"/>
+              </a:lnSpc>
+              <a:buFont typeface="Arial" panose="020B0604020202020204" pitchFamily="34" charset="0"/>
+              <a:buChar char="•"/>
+            </a:pPr>
+            <a:r>
+              <a:rPr lang="ru-RU" sz="2200" dirty="0"/>
+              <a:t>При тестирование программы пользователями</a:t>
+            </a:r>
+            <a:r>
+              <a:rPr lang="en-US" sz="2200" dirty="0"/>
+              <a:t>,</a:t>
+            </a:r>
+            <a:r>
+              <a:rPr lang="ru-RU" sz="2200" dirty="0"/>
+              <a:t> были замечены однотипные ошибки</a:t>
+            </a:r>
+            <a:r>
+              <a:rPr lang="en-US" sz="2200" dirty="0"/>
+              <a:t>,</a:t>
+            </a:r>
+            <a:r>
+              <a:rPr lang="ru-RU" sz="2200" dirty="0"/>
+              <a:t> после чего было принято решение подробно их расписать и выдавать пользователю если он их допускает</a:t>
+            </a:r>
+          </a:p>
           <a:p>
             <a:pPr marL="457200" indent="-457200" algn="just">
               <a:lnSpc>
@@ -6550,18 +6655,7 @@
               <a:buFont typeface="Arial" panose="020B0604020202020204" pitchFamily="34" charset="0"/>
               <a:buChar char="•"/>
             </a:pPr>
-            <a:r>
-              <a:rPr lang="ru-RU" sz="2400" dirty="0"/>
-              <a:t>Также программа отлавливает ошибки</a:t>
-            </a:r>
-            <a:r>
-              <a:rPr lang="en-US" sz="2400" dirty="0"/>
-              <a:t>, </a:t>
-            </a:r>
-            <a:r>
-              <a:rPr lang="ru-RU" sz="2400" dirty="0"/>
-              <a:t>которые может допустить пользователь</a:t>
-            </a:r>
+            <a:endParaRPr lang="ru-RU" sz="2000" dirty="0"/>
           </a:p>
         </p:txBody>
       </p:sp>
@@ -6783,7 +6877,7 @@
         <p:spPr>
           <a:xfrm>
             <a:off x="623392" y="2090172"/>
-            <a:ext cx="6134500" cy="2677656"/>
+            <a:ext cx="6134500" cy="2708434"/>
           </a:xfrm>
           <a:prstGeom prst="rect">
             <a:avLst/>
@@ -6797,14 +6891,14 @@
           <a:lstStyle/>
           <a:p>
             <a:r>
-              <a:rPr lang="ru-RU" sz="2400" dirty="0"/>
+              <a:rPr lang="ru-RU" sz="2600" dirty="0"/>
               <a:t>Архитектура проекта состоит из</a:t>
             </a:r>
             <a:r>
-              <a:rPr lang="en-US" sz="2400" dirty="0"/>
+              <a:rPr lang="en-US" sz="2600" dirty="0"/>
               <a:t>:</a:t>
             </a:r>
-            <a:endParaRPr lang="ru-RU" sz="2400" dirty="0"/>
+            <a:endParaRPr lang="ru-RU" sz="2600" dirty="0"/>
           </a:p>
           <a:p>
             <a:pPr marL="342900" indent="-342900">
@@ -6867,7 +6961,7 @@
             </a:pPr>
             <a:r>
               <a:rPr lang="ru-RU" sz="2400" dirty="0"/>
-              <a:t>База данных для генерации задач</a:t>
+              <a:t>База данных для хранения задач</a:t>
             </a:r>
           </a:p>
         </p:txBody>
@@ -7005,8 +7099,8 @@
         </p:nvSpPr>
         <p:spPr>
           <a:xfrm>
-            <a:off x="551384" y="1988840"/>
-            <a:ext cx="8956234" cy="3816429"/>
+            <a:off x="263352" y="1700808"/>
+            <a:ext cx="10052752" cy="4801314"/>
           </a:xfrm>
           <a:prstGeom prst="rect">
             <a:avLst/>
@@ -7021,54 +7115,77 @@
           <a:p>
             <a:pPr lvl="0"/>
             <a:r>
-              <a:rPr lang="ru-RU" sz="2800" dirty="0"/>
-              <a:t>1 - разработка формул для вычисления площадей, </a:t>
+              <a:rPr lang="ru-RU" sz="2400" dirty="0"/>
+              <a:t>1 - Нахождение востребованных формул для нахождения площадей</a:t>
             </a:r>
           </a:p>
           <a:p>
             <a:pPr lvl="0"/>
             <a:r>
-              <a:rPr lang="ru-RU" sz="2800" dirty="0"/>
-              <a:t>и проверка их на правильность</a:t>
+              <a:rPr lang="ru-RU" sz="2400" dirty="0"/>
+              <a:t> геометрических фигур</a:t>
             </a:r>
           </a:p>
           <a:p>
             <a:pPr lvl="0"/>
-            <a:endParaRPr lang="ru-RU" sz="2800" dirty="0"/>
+            <a:endParaRPr lang="ru-RU" sz="2400" dirty="0"/>
           </a:p>
           <a:p>
             <a:pPr lvl="0"/>
             <a:r>
-              <a:rPr lang="ru-RU" sz="2800" dirty="0"/>
-              <a:t>2 - добавление базы данных с различными задачи </a:t>
+              <a:rPr lang="ru-RU" sz="2400" dirty="0"/>
+              <a:t>2 - Создание удобного интерфейса для пользователя</a:t>
             </a:r>
           </a:p>
           <a:p>
             <a:pPr lvl="0"/>
-            <a:r>
-              <a:rPr lang="ru-RU" sz="2800" dirty="0"/>
-              <a:t>на нужные темы</a:t>
-            </a:r>
+            <a:endParaRPr lang="ru-RU" sz="2400" dirty="0"/>
           </a:p>
           <a:p>
             <a:pPr lvl="0"/>
-            <a:endParaRPr lang="ru-RU" sz="2800" dirty="0"/>
+            <a:r>
+              <a:rPr lang="ru-RU" sz="2400" dirty="0"/>
+              <a:t>3 - Написание рабочего кода для всей программы</a:t>
+            </a:r>
           </a:p>
           <a:p>
             <a:pPr lvl="0"/>
-            <a:r>
-              <a:rPr lang="ru-RU" sz="2800" dirty="0"/>
-              <a:t>3 - разработка графического интерфейса, проверка </a:t>
-            </a:r>
+            <a:endParaRPr lang="ru-RU" sz="2400" dirty="0"/>
           </a:p>
           <a:p>
             <a:pPr lvl="0"/>
             <a:r>
-              <a:rPr lang="ru-RU" sz="2800" dirty="0"/>
-              <a:t>на отсутствие проблем</a:t>
-            </a:r>
-          </a:p>
-          <a:p>
+              <a:rPr lang="ru-RU" sz="2400" dirty="0"/>
+              <a:t>4 - Соединение кода программы и интерфейса </a:t>
+            </a:r>
+          </a:p>
+          <a:p>
+            <a:pPr lvl="0"/>
+            <a:endParaRPr lang="ru-RU" sz="2400" dirty="0"/>
+          </a:p>
+          <a:p>
+            <a:pPr lvl="0"/>
+            <a:r>
+              <a:rPr lang="ru-RU" sz="2400" dirty="0"/>
+              <a:t>5 - Создание генератора задач </a:t>
+            </a:r>
+          </a:p>
+          <a:p>
+            <a:pPr lvl="0"/>
+            <a:r>
+              <a:rPr lang="ru-RU" sz="2400" dirty="0"/>
+              <a:t>	1) создание базы данных</a:t>
+            </a:r>
+          </a:p>
+          <a:p>
+            <a:pPr lvl="0"/>
+            <a:r>
+              <a:rPr lang="ru-RU" sz="2400" dirty="0"/>
+              <a:t>	2) написание кода</a:t>
+            </a:r>
+          </a:p>
+          <a:p>
+            <a:pPr lvl="0"/>
             <a:endParaRPr lang="ru-RU" dirty="0"/>
           </a:p>
         </p:txBody>
@@ -7170,8 +7287,8 @@
         </p:nvSpPr>
         <p:spPr>
           <a:xfrm>
-            <a:off x="384116" y="1988840"/>
-            <a:ext cx="11400516" cy="3347840"/>
+            <a:off x="395742" y="1628800"/>
+            <a:ext cx="11400516" cy="4600042"/>
           </a:xfrm>
           <a:prstGeom prst="rect">
             <a:avLst/>
@@ -7184,66 +7301,125 @@
           </a:bodyPr>
           <a:lstStyle/>
           <a:p>
-            <a:pPr marL="457200" indent="-457200" algn="just">
-              <a:lnSpc>
-                <a:spcPct val="150000"/>
-              </a:lnSpc>
-              <a:buFont typeface="Arial" panose="020B0604020202020204" pitchFamily="34" charset="0"/>
-              <a:buChar char="•"/>
-            </a:pPr>
-            <a:r>
-              <a:rPr lang="ru-RU" sz="2400" dirty="0"/>
-              <a:t>В будущем данную программу можно будет дополнять другими мало известными формулами</a:t>
-            </a:r>
-            <a:r>
-              <a:rPr lang="en-US" sz="2400" dirty="0"/>
-              <a:t>,</a:t>
-            </a:r>
-            <a:r>
-              <a:rPr lang="ru-RU" sz="2400" dirty="0"/>
-              <a:t> которые могут пригодиться уже не только 8 классу</a:t>
-            </a:r>
-            <a:r>
-              <a:rPr lang="en-US" sz="2400" dirty="0"/>
-              <a:t>, </a:t>
-            </a:r>
-            <a:r>
-              <a:rPr lang="ru-RU" sz="2400" dirty="0"/>
-              <a:t>но так же и старшеклассникам</a:t>
-            </a:r>
-            <a:r>
-              <a:rPr lang="en-US" sz="2400" dirty="0"/>
-              <a:t>.</a:t>
-            </a:r>
-            <a:endParaRPr lang="ru-RU" sz="2400" dirty="0"/>
-          </a:p>
-          <a:p>
             <a:pPr algn="just">
               <a:lnSpc>
                 <a:spcPct val="150000"/>
               </a:lnSpc>
             </a:pPr>
-            <a:endParaRPr lang="en-US" sz="2400" dirty="0"/>
-          </a:p>
-          <a:p>
-            <a:pPr marL="457200" indent="-457200" algn="just">
+            <a:r>
+              <a:rPr lang="ru-RU" sz="2200" dirty="0"/>
+              <a:t>Генератор задач</a:t>
+            </a:r>
+            <a:r>
+              <a:rPr lang="en-US" sz="2200" dirty="0"/>
+              <a:t>:</a:t>
+            </a:r>
+            <a:endParaRPr lang="ru-RU" sz="2200" dirty="0"/>
+          </a:p>
+          <a:p>
+            <a:pPr algn="just">
               <a:lnSpc>
                 <a:spcPct val="150000"/>
               </a:lnSpc>
-              <a:buFont typeface="Arial" panose="020B0604020202020204" pitchFamily="34" charset="0"/>
-              <a:buChar char="•"/>
             </a:pPr>
             <a:r>
-              <a:rPr lang="ru-RU" sz="2400" dirty="0"/>
-              <a:t>Усовершенствовать генератор задач</a:t>
-            </a:r>
-            <a:r>
-              <a:rPr lang="en-US" sz="2400" dirty="0"/>
+              <a:rPr lang="ru-RU" sz="2200" dirty="0"/>
+              <a:t> 1) варианты сохранять не только в один файл (для удобства печати), но и в разные файлы (для отправки на почту)</a:t>
+            </a:r>
+          </a:p>
+          <a:p>
+            <a:pPr algn="just">
+              <a:lnSpc>
+                <a:spcPct val="150000"/>
+              </a:lnSpc>
+            </a:pPr>
+            <a:r>
+              <a:rPr lang="ru-RU" sz="2200" dirty="0"/>
+              <a:t> 2) Отправка заданий на почту</a:t>
+            </a:r>
+          </a:p>
+          <a:p>
+            <a:pPr algn="just">
+              <a:lnSpc>
+                <a:spcPct val="150000"/>
+              </a:lnSpc>
+            </a:pPr>
+            <a:r>
+              <a:rPr lang="ru-RU" sz="2200" dirty="0"/>
+              <a:t> 3) </a:t>
+            </a:r>
+            <a:r>
+              <a:rPr lang="en" sz="2200" dirty="0"/>
+              <a:t>WEB-</a:t>
+            </a:r>
+            <a:r>
+              <a:rPr lang="ru-RU" sz="2200" dirty="0"/>
+              <a:t>версия приложения </a:t>
+            </a:r>
+          </a:p>
+          <a:p>
+            <a:pPr algn="just">
+              <a:lnSpc>
+                <a:spcPct val="150000"/>
+              </a:lnSpc>
+            </a:pPr>
+            <a:r>
+              <a:rPr lang="ru-RU" sz="2200" dirty="0"/>
+              <a:t> 4) Конструктор вариантов из уже сохраненных учителем задач</a:t>
+            </a:r>
+          </a:p>
+          <a:p>
+            <a:pPr algn="just">
+              <a:lnSpc>
+                <a:spcPct val="150000"/>
+              </a:lnSpc>
+            </a:pPr>
+            <a:r>
+              <a:rPr lang="ru-RU" sz="2200" dirty="0"/>
+              <a:t>Калькулятор</a:t>
+            </a:r>
+            <a:r>
+              <a:rPr lang="en-US" sz="2200" dirty="0"/>
+              <a:t>:</a:t>
+            </a:r>
+          </a:p>
+          <a:p>
+            <a:pPr algn="just">
+              <a:lnSpc>
+                <a:spcPct val="150000"/>
+              </a:lnSpc>
+            </a:pPr>
+            <a:r>
+              <a:rPr lang="en-US" sz="2200" dirty="0"/>
+              <a:t> </a:t>
+            </a:r>
+            <a:r>
+              <a:rPr lang="ru-RU" sz="2200" dirty="0"/>
+              <a:t>Сделать его более универсальным</a:t>
+            </a:r>
+            <a:r>
+              <a:rPr lang="en-US" sz="2200" dirty="0"/>
               <a:t>, </a:t>
             </a:r>
             <a:r>
-              <a:rPr lang="ru-RU" sz="2400" dirty="0"/>
-              <a:t>для того чтобы он мог генерировать задачи с большим количеством изменяемых переменных</a:t>
+              <a:rPr lang="ru-RU" sz="2200" dirty="0"/>
+              <a:t>чтобы там находились разные предметные области (геометрия</a:t>
+            </a:r>
+            <a:r>
+              <a:rPr lang="en-US" sz="2200" dirty="0"/>
+              <a:t>, </a:t>
+            </a:r>
+            <a:r>
+              <a:rPr lang="ru-RU" sz="2200" dirty="0"/>
+              <a:t>алгебра</a:t>
+            </a:r>
+            <a:r>
+              <a:rPr lang="en-US" sz="2200" dirty="0"/>
+              <a:t>,</a:t>
+            </a:r>
+            <a:r>
+              <a:rPr lang="ru-RU" sz="2200" dirty="0"/>
+              <a:t> физика)</a:t>
             </a:r>
           </a:p>
         </p:txBody>

--- a/documentation/Кушнарева презентация_калькулятор.pptx
+++ b/documentation/Кушнарева презентация_калькулятор.pptx
@@ -259,7 +259,7 @@
           <a:p>
             <a:fld id="{3AB3671F-AA64-4FFB-BBDA-457A3DCCAFB9}" type="datetimeFigureOut">
               <a:rPr lang="ru-RU" smtClean="0"/>
-              <a:t>19.04.2022</a:t>
+              <a:t>20.04.2022</a:t>
             </a:fld>
             <a:endParaRPr lang="ru-RU"/>
           </a:p>
@@ -1630,7 +1630,7 @@
             </a:pPr>
             <a:fld id="{E9A40412-952D-4355-AEE1-5084A13E6343}" type="datetime1">
               <a:rPr lang="ru-RU" smtClean="0"/>
-              <a:t>19.04.2022</a:t>
+              <a:t>20.04.2022</a:t>
             </a:fld>
             <a:endParaRPr lang="ru-RU"/>
           </a:p>
@@ -1822,7 +1822,7 @@
             </a:pPr>
             <a:fld id="{D1A57588-AA29-48C1-A0D3-23CDC8CEF95B}" type="datetime1">
               <a:rPr lang="ru-RU" smtClean="0"/>
-              <a:t>19.04.2022</a:t>
+              <a:t>20.04.2022</a:t>
             </a:fld>
             <a:endParaRPr lang="ru-RU"/>
           </a:p>
@@ -2024,7 +2024,7 @@
             </a:pPr>
             <a:fld id="{B5D72509-6833-4348-BB60-FAACCC152FFC}" type="datetime1">
               <a:rPr lang="ru-RU" smtClean="0"/>
-              <a:t>19.04.2022</a:t>
+              <a:t>20.04.2022</a:t>
             </a:fld>
             <a:endParaRPr lang="ru-RU"/>
           </a:p>
@@ -2216,7 +2216,7 @@
             </a:pPr>
             <a:fld id="{92480D4C-61BD-483D-86D6-B62CDAB9BEDA}" type="datetime1">
               <a:rPr lang="ru-RU" smtClean="0"/>
-              <a:t>19.04.2022</a:t>
+              <a:t>20.04.2022</a:t>
             </a:fld>
             <a:endParaRPr lang="ru-RU"/>
           </a:p>
@@ -2485,7 +2485,7 @@
             </a:pPr>
             <a:fld id="{A751F13C-6A68-445F-9F3B-D8B69AC9FD7E}" type="datetime1">
               <a:rPr lang="ru-RU" smtClean="0"/>
-              <a:t>19.04.2022</a:t>
+              <a:t>20.04.2022</a:t>
             </a:fld>
             <a:endParaRPr lang="ru-RU"/>
           </a:p>
@@ -2794,7 +2794,7 @@
             </a:pPr>
             <a:fld id="{A5532E65-0D75-47CF-9E50-79D7F59885FD}" type="datetime1">
               <a:rPr lang="ru-RU" smtClean="0"/>
-              <a:t>19.04.2022</a:t>
+              <a:t>20.04.2022</a:t>
             </a:fld>
             <a:endParaRPr lang="ru-RU"/>
           </a:p>
@@ -3237,7 +3237,7 @@
             </a:pPr>
             <a:fld id="{911777F0-F331-4210-A598-9C010F52D098}" type="datetime1">
               <a:rPr lang="ru-RU" smtClean="0"/>
-              <a:t>19.04.2022</a:t>
+              <a:t>20.04.2022</a:t>
             </a:fld>
             <a:endParaRPr lang="ru-RU"/>
           </a:p>
@@ -3378,7 +3378,7 @@
             </a:pPr>
             <a:fld id="{1AC8AF8F-D2D8-4C77-9AB7-FFD30F24FEFA}" type="datetime1">
               <a:rPr lang="ru-RU" smtClean="0"/>
-              <a:t>19.04.2022</a:t>
+              <a:t>20.04.2022</a:t>
             </a:fld>
             <a:endParaRPr lang="ru-RU"/>
           </a:p>
@@ -3497,7 +3497,7 @@
             </a:pPr>
             <a:fld id="{9B4BEA78-D3AB-43BC-BBE9-CA6B0150F642}" type="datetime1">
               <a:rPr lang="ru-RU" smtClean="0"/>
-              <a:t>19.04.2022</a:t>
+              <a:t>20.04.2022</a:t>
             </a:fld>
             <a:endParaRPr lang="ru-RU"/>
           </a:p>
@@ -3796,7 +3796,7 @@
             </a:pPr>
             <a:fld id="{8B6CA31B-DE7C-454D-A29A-F2F44B92C02C}" type="datetime1">
               <a:rPr lang="ru-RU" smtClean="0"/>
-              <a:t>19.04.2022</a:t>
+              <a:t>20.04.2022</a:t>
             </a:fld>
             <a:endParaRPr lang="ru-RU"/>
           </a:p>
@@ -4078,7 +4078,7 @@
             </a:pPr>
             <a:fld id="{AE3D309E-A734-454B-96EA-1FFF9C6D640B}" type="datetime1">
               <a:rPr lang="ru-RU" smtClean="0"/>
-              <a:t>19.04.2022</a:t>
+              <a:t>20.04.2022</a:t>
             </a:fld>
             <a:endParaRPr lang="ru-RU"/>
           </a:p>
@@ -4371,7 +4371,7 @@
             </a:pPr>
             <a:fld id="{F00A4505-FFFF-4242-BC45-A2F4E67EA977}" type="datetime1">
               <a:rPr lang="ru-RU" smtClean="0"/>
-              <a:t>19.04.2022</a:t>
+              <a:t>20.04.2022</a:t>
             </a:fld>
             <a:endParaRPr lang="ru-RU"/>
           </a:p>
@@ -5719,7 +5719,7 @@
             </a:pPr>
             <a:r>
               <a:rPr lang="ru-RU" sz="2200" dirty="0"/>
-              <a:t>В наше время учителя на проверочных работах дают однотипные задачи</a:t>
+              <a:t>В наше  время учителя на проверочных работах дают однотипные задачи</a:t>
             </a:r>
             <a:r>
               <a:rPr lang="en-US" sz="2200" dirty="0"/>

--- a/documentation/Кушнарева презентация_калькулятор.pptx
+++ b/documentation/Кушнарева презентация_калькулятор.pptx
@@ -259,7 +259,7 @@
           <a:p>
             <a:fld id="{3AB3671F-AA64-4FFB-BBDA-457A3DCCAFB9}" type="datetimeFigureOut">
               <a:rPr lang="ru-RU" smtClean="0"/>
-              <a:t>20.04.2022</a:t>
+              <a:t>25.04.2022</a:t>
             </a:fld>
             <a:endParaRPr lang="ru-RU"/>
           </a:p>
@@ -1630,7 +1630,7 @@
             </a:pPr>
             <a:fld id="{E9A40412-952D-4355-AEE1-5084A13E6343}" type="datetime1">
               <a:rPr lang="ru-RU" smtClean="0"/>
-              <a:t>20.04.2022</a:t>
+              <a:t>25.04.2022</a:t>
             </a:fld>
             <a:endParaRPr lang="ru-RU"/>
           </a:p>
@@ -1822,7 +1822,7 @@
             </a:pPr>
             <a:fld id="{D1A57588-AA29-48C1-A0D3-23CDC8CEF95B}" type="datetime1">
               <a:rPr lang="ru-RU" smtClean="0"/>
-              <a:t>20.04.2022</a:t>
+              <a:t>25.04.2022</a:t>
             </a:fld>
             <a:endParaRPr lang="ru-RU"/>
           </a:p>
@@ -2024,7 +2024,7 @@
             </a:pPr>
             <a:fld id="{B5D72509-6833-4348-BB60-FAACCC152FFC}" type="datetime1">
               <a:rPr lang="ru-RU" smtClean="0"/>
-              <a:t>20.04.2022</a:t>
+              <a:t>25.04.2022</a:t>
             </a:fld>
             <a:endParaRPr lang="ru-RU"/>
           </a:p>
@@ -2216,7 +2216,7 @@
             </a:pPr>
             <a:fld id="{92480D4C-61BD-483D-86D6-B62CDAB9BEDA}" type="datetime1">
               <a:rPr lang="ru-RU" smtClean="0"/>
-              <a:t>20.04.2022</a:t>
+              <a:t>25.04.2022</a:t>
             </a:fld>
             <a:endParaRPr lang="ru-RU"/>
           </a:p>
@@ -2485,7 +2485,7 @@
             </a:pPr>
             <a:fld id="{A751F13C-6A68-445F-9F3B-D8B69AC9FD7E}" type="datetime1">
               <a:rPr lang="ru-RU" smtClean="0"/>
-              <a:t>20.04.2022</a:t>
+              <a:t>25.04.2022</a:t>
             </a:fld>
             <a:endParaRPr lang="ru-RU"/>
           </a:p>
@@ -2794,7 +2794,7 @@
             </a:pPr>
             <a:fld id="{A5532E65-0D75-47CF-9E50-79D7F59885FD}" type="datetime1">
               <a:rPr lang="ru-RU" smtClean="0"/>
-              <a:t>20.04.2022</a:t>
+              <a:t>25.04.2022</a:t>
             </a:fld>
             <a:endParaRPr lang="ru-RU"/>
           </a:p>
@@ -3237,7 +3237,7 @@
             </a:pPr>
             <a:fld id="{911777F0-F331-4210-A598-9C010F52D098}" type="datetime1">
               <a:rPr lang="ru-RU" smtClean="0"/>
-              <a:t>20.04.2022</a:t>
+              <a:t>25.04.2022</a:t>
             </a:fld>
             <a:endParaRPr lang="ru-RU"/>
           </a:p>
@@ -3378,7 +3378,7 @@
             </a:pPr>
             <a:fld id="{1AC8AF8F-D2D8-4C77-9AB7-FFD30F24FEFA}" type="datetime1">
               <a:rPr lang="ru-RU" smtClean="0"/>
-              <a:t>20.04.2022</a:t>
+              <a:t>25.04.2022</a:t>
             </a:fld>
             <a:endParaRPr lang="ru-RU"/>
           </a:p>
@@ -3497,7 +3497,7 @@
             </a:pPr>
             <a:fld id="{9B4BEA78-D3AB-43BC-BBE9-CA6B0150F642}" type="datetime1">
               <a:rPr lang="ru-RU" smtClean="0"/>
-              <a:t>20.04.2022</a:t>
+              <a:t>25.04.2022</a:t>
             </a:fld>
             <a:endParaRPr lang="ru-RU"/>
           </a:p>
@@ -3796,7 +3796,7 @@
             </a:pPr>
             <a:fld id="{8B6CA31B-DE7C-454D-A29A-F2F44B92C02C}" type="datetime1">
               <a:rPr lang="ru-RU" smtClean="0"/>
-              <a:t>20.04.2022</a:t>
+              <a:t>25.04.2022</a:t>
             </a:fld>
             <a:endParaRPr lang="ru-RU"/>
           </a:p>
@@ -4078,7 +4078,7 @@
             </a:pPr>
             <a:fld id="{AE3D309E-A734-454B-96EA-1FFF9C6D640B}" type="datetime1">
               <a:rPr lang="ru-RU" smtClean="0"/>
-              <a:t>20.04.2022</a:t>
+              <a:t>25.04.2022</a:t>
             </a:fld>
             <a:endParaRPr lang="ru-RU"/>
           </a:p>
@@ -4371,7 +4371,7 @@
             </a:pPr>
             <a:fld id="{F00A4505-FFFF-4242-BC45-A2F4E67EA977}" type="datetime1">
               <a:rPr lang="ru-RU" smtClean="0"/>
-              <a:t>20.04.2022</a:t>
+              <a:t>25.04.2022</a:t>
             </a:fld>
             <a:endParaRPr lang="ru-RU"/>
           </a:p>
@@ -6135,7 +6135,7 @@
         <p:spPr>
           <a:xfrm>
             <a:off x="398290" y="1772816"/>
-            <a:ext cx="8234947" cy="3046988"/>
+            <a:ext cx="5697710" cy="4455835"/>
           </a:xfrm>
           <a:prstGeom prst="rect">
             <a:avLst/>
@@ -6143,74 +6143,62 @@
           <a:noFill/>
         </p:spPr>
         <p:txBody>
-          <a:bodyPr wrap="none" rtlCol="0">
+          <a:bodyPr wrap="square" rtlCol="0">
             <a:spAutoFit/>
           </a:bodyPr>
           <a:lstStyle/>
           <a:p>
-            <a:r>
-              <a:rPr lang="ru-RU" sz="2400" dirty="0"/>
-              <a:t>Плюсы данной программы в сравнение с конкурентами</a:t>
-            </a:r>
-            <a:r>
-              <a:rPr lang="en-US" sz="2400" dirty="0"/>
-              <a:t>:</a:t>
-            </a:r>
-            <a:endParaRPr lang="ru-RU" sz="2400" dirty="0"/>
-          </a:p>
-          <a:p>
-            <a:endParaRPr lang="en-US" sz="2400" dirty="0"/>
-          </a:p>
-          <a:p>
             <a:pPr marL="285750" indent="-285750">
+              <a:lnSpc>
+                <a:spcPct val="150000"/>
+              </a:lnSpc>
               <a:buFont typeface="Arial" panose="020B0604020202020204" pitchFamily="34" charset="0"/>
               <a:buChar char="•"/>
             </a:pPr>
             <a:r>
               <a:rPr lang="ru-RU" sz="2400" dirty="0"/>
-              <a:t>Удобный интерфейс</a:t>
-            </a:r>
-          </a:p>
-          <a:p>
-            <a:pPr marL="285750" indent="-285750">
-              <a:buFont typeface="Arial" panose="020B0604020202020204" pitchFamily="34" charset="0"/>
-              <a:buChar char="•"/>
-            </a:pPr>
-            <a:endParaRPr lang="ru-RU" sz="2400" dirty="0"/>
-          </a:p>
-          <a:p>
-            <a:pPr marL="285750" indent="-285750">
-              <a:buFont typeface="Arial" panose="020B0604020202020204" pitchFamily="34" charset="0"/>
-              <a:buChar char="•"/>
-            </a:pPr>
+              <a:t>После поисков аналогов программы генератор задач в интернете</a:t>
+            </a:r>
+            <a:r>
+              <a:rPr lang="en-US" sz="2400" dirty="0"/>
+              <a:t>, </a:t>
+            </a:r>
             <a:r>
               <a:rPr lang="ru-RU" sz="2400" dirty="0"/>
-              <a:t>Необходимые формулы</a:t>
-            </a:r>
-          </a:p>
-          <a:p>
-            <a:pPr marL="285750" indent="-285750">
-              <a:buFont typeface="Arial" panose="020B0604020202020204" pitchFamily="34" charset="0"/>
-              <a:buChar char="•"/>
-            </a:pPr>
-            <a:endParaRPr lang="ru-RU" sz="2400" dirty="0"/>
-          </a:p>
-          <a:p>
-            <a:pPr marL="285750" indent="-285750">
-              <a:buFont typeface="Arial" panose="020B0604020202020204" pitchFamily="34" charset="0"/>
-              <a:buChar char="•"/>
-            </a:pPr>
+              <a:t>похож даже приближенно программ не нашлось</a:t>
+            </a:r>
+            <a:r>
+              <a:rPr lang="en-US" sz="2400" dirty="0"/>
+              <a:t>,</a:t>
+            </a:r>
             <a:r>
               <a:rPr lang="ru-RU" sz="2400" dirty="0"/>
-              <a:t>Доступность программы</a:t>
-            </a:r>
-          </a:p>
-          <a:p>
-            <a:pPr marL="285750" indent="-285750">
-              <a:buFont typeface="Arial" panose="020B0604020202020204" pitchFamily="34" charset="0"/>
-              <a:buChar char="•"/>
-            </a:pPr>
-            <a:endParaRPr lang="ru-RU" sz="2400" dirty="0"/>
+              <a:t> после чего мы начали спрашивать учителей</a:t>
+            </a:r>
+            <a:r>
+              <a:rPr lang="en-US" sz="2400" dirty="0"/>
+              <a:t>,</a:t>
+            </a:r>
+            <a:r>
+              <a:rPr lang="ru-RU" sz="2400" dirty="0"/>
+              <a:t> кому может пригодится данная программа</a:t>
+            </a:r>
+            <a:r>
+              <a:rPr lang="en-US" sz="2400" dirty="0"/>
+              <a:t>, </a:t>
+            </a:r>
+            <a:r>
+              <a:rPr lang="ru-RU" sz="2400" dirty="0"/>
+              <a:t>о существовании таковых</a:t>
+            </a:r>
+            <a:r>
+              <a:rPr lang="en-US" sz="2400" dirty="0"/>
+              <a:t>,</a:t>
+            </a:r>
+            <a:r>
+              <a:rPr lang="ru-RU" sz="2400" dirty="0"/>
+              <a:t> на что получили отрицательный ответ</a:t>
+            </a:r>
           </a:p>
         </p:txBody>
       </p:sp>
@@ -6242,7 +6230,7 @@
         </p:blipFill>
         <p:spPr>
           <a:xfrm>
-            <a:off x="6096000" y="2276872"/>
+            <a:off x="6360476" y="2164529"/>
             <a:ext cx="5433234" cy="3672408"/>
           </a:xfrm>
           <a:prstGeom prst="rect">
